--- a/docs/images/common/zowe-architecture.pptx
+++ b/docs/images/common/zowe-architecture.pptx
@@ -6,6 +6,8 @@
   </p:sldMasterIdLst>
   <p:sldIdLst>
     <p:sldId id="267" r:id="rId2"/>
+    <p:sldId id="268" r:id="rId3"/>
+    <p:sldId id="269" r:id="rId4"/>
   </p:sldIdLst>
   <p:sldSz cx="12192000" cy="6858000"/>
   <p:notesSz cx="6858000" cy="9144000"/>
@@ -259,7 +261,7 @@
           <a:p>
             <a:fld id="{B1DB1BE8-3F77-D044-8747-9903AC5CD864}" type="datetimeFigureOut">
               <a:rPr lang="en-US" smtClean="0"/>
-              <a:t>7/25/19</a:t>
+              <a:t>10/30/19</a:t>
             </a:fld>
             <a:endParaRPr lang="en-US"/>
           </a:p>
@@ -457,7 +459,7 @@
           <a:p>
             <a:fld id="{B1DB1BE8-3F77-D044-8747-9903AC5CD864}" type="datetimeFigureOut">
               <a:rPr lang="en-US" smtClean="0"/>
-              <a:t>7/25/19</a:t>
+              <a:t>10/30/19</a:t>
             </a:fld>
             <a:endParaRPr lang="en-US"/>
           </a:p>
@@ -665,7 +667,7 @@
           <a:p>
             <a:fld id="{B1DB1BE8-3F77-D044-8747-9903AC5CD864}" type="datetimeFigureOut">
               <a:rPr lang="en-US" smtClean="0"/>
-              <a:t>7/25/19</a:t>
+              <a:t>10/30/19</a:t>
             </a:fld>
             <a:endParaRPr lang="en-US"/>
           </a:p>
@@ -863,7 +865,7 @@
           <a:p>
             <a:fld id="{B1DB1BE8-3F77-D044-8747-9903AC5CD864}" type="datetimeFigureOut">
               <a:rPr lang="en-US" smtClean="0"/>
-              <a:t>7/25/19</a:t>
+              <a:t>10/30/19</a:t>
             </a:fld>
             <a:endParaRPr lang="en-US"/>
           </a:p>
@@ -1138,7 +1140,7 @@
           <a:p>
             <a:fld id="{B1DB1BE8-3F77-D044-8747-9903AC5CD864}" type="datetimeFigureOut">
               <a:rPr lang="en-US" smtClean="0"/>
-              <a:t>7/25/19</a:t>
+              <a:t>10/30/19</a:t>
             </a:fld>
             <a:endParaRPr lang="en-US"/>
           </a:p>
@@ -1403,7 +1405,7 @@
           <a:p>
             <a:fld id="{B1DB1BE8-3F77-D044-8747-9903AC5CD864}" type="datetimeFigureOut">
               <a:rPr lang="en-US" smtClean="0"/>
-              <a:t>7/25/19</a:t>
+              <a:t>10/30/19</a:t>
             </a:fld>
             <a:endParaRPr lang="en-US"/>
           </a:p>
@@ -1815,7 +1817,7 @@
           <a:p>
             <a:fld id="{B1DB1BE8-3F77-D044-8747-9903AC5CD864}" type="datetimeFigureOut">
               <a:rPr lang="en-US" smtClean="0"/>
-              <a:t>7/25/19</a:t>
+              <a:t>10/30/19</a:t>
             </a:fld>
             <a:endParaRPr lang="en-US"/>
           </a:p>
@@ -1956,7 +1958,7 @@
           <a:p>
             <a:fld id="{B1DB1BE8-3F77-D044-8747-9903AC5CD864}" type="datetimeFigureOut">
               <a:rPr lang="en-US" smtClean="0"/>
-              <a:t>7/25/19</a:t>
+              <a:t>10/30/19</a:t>
             </a:fld>
             <a:endParaRPr lang="en-US"/>
           </a:p>
@@ -2069,7 +2071,7 @@
           <a:p>
             <a:fld id="{B1DB1BE8-3F77-D044-8747-9903AC5CD864}" type="datetimeFigureOut">
               <a:rPr lang="en-US" smtClean="0"/>
-              <a:t>7/25/19</a:t>
+              <a:t>10/30/19</a:t>
             </a:fld>
             <a:endParaRPr lang="en-US"/>
           </a:p>
@@ -2380,7 +2382,7 @@
           <a:p>
             <a:fld id="{B1DB1BE8-3F77-D044-8747-9903AC5CD864}" type="datetimeFigureOut">
               <a:rPr lang="en-US" smtClean="0"/>
-              <a:t>7/25/19</a:t>
+              <a:t>10/30/19</a:t>
             </a:fld>
             <a:endParaRPr lang="en-US"/>
           </a:p>
@@ -2668,7 +2670,7 @@
           <a:p>
             <a:fld id="{B1DB1BE8-3F77-D044-8747-9903AC5CD864}" type="datetimeFigureOut">
               <a:rPr lang="en-US" smtClean="0"/>
-              <a:t>7/25/19</a:t>
+              <a:t>10/30/19</a:t>
             </a:fld>
             <a:endParaRPr lang="en-US"/>
           </a:p>
@@ -2909,7 +2911,7 @@
           <a:p>
             <a:fld id="{B1DB1BE8-3F77-D044-8747-9903AC5CD864}" type="datetimeFigureOut">
               <a:rPr lang="en-US" smtClean="0"/>
-              <a:t>7/25/19</a:t>
+              <a:t>10/30/19</a:t>
             </a:fld>
             <a:endParaRPr lang="en-US"/>
           </a:p>
@@ -8201,6 +8203,3395 @@
 </p:sld>
 </file>
 
+<file path=ppt/slides/slide2.xml><?xml version="1.0" encoding="utf-8"?>
+<p:sld xmlns:a="http://schemas.openxmlformats.org/drawingml/2006/main" xmlns:r="http://schemas.openxmlformats.org/officeDocument/2006/relationships" xmlns:p="http://schemas.openxmlformats.org/presentationml/2006/main">
+  <p:cSld>
+    <p:spTree>
+      <p:nvGrpSpPr>
+        <p:cNvPr id="1" name=""/>
+        <p:cNvGrpSpPr/>
+        <p:nvPr/>
+      </p:nvGrpSpPr>
+      <p:grpSpPr>
+        <a:xfrm>
+          <a:off x="0" y="0"/>
+          <a:ext cx="0" cy="0"/>
+          <a:chOff x="0" y="0"/>
+          <a:chExt cx="0" cy="0"/>
+        </a:xfrm>
+      </p:grpSpPr>
+      <p:sp>
+        <p:nvSpPr>
+          <p:cNvPr id="37" name="Rectangle 36">
+            <a:extLst>
+              <a:ext uri="{FF2B5EF4-FFF2-40B4-BE49-F238E27FC236}">
+                <a16:creationId xmlns:a16="http://schemas.microsoft.com/office/drawing/2014/main" id="{F8C1E7A9-CE32-8A4D-84DE-837C9C3866E1}"/>
+              </a:ext>
+            </a:extLst>
+          </p:cNvPr>
+          <p:cNvSpPr/>
+          <p:nvPr/>
+        </p:nvSpPr>
+        <p:spPr>
+          <a:xfrm>
+            <a:off x="10272319" y="2597578"/>
+            <a:ext cx="1828637" cy="1628376"/>
+          </a:xfrm>
+          <a:prstGeom prst="rect">
+            <a:avLst/>
+          </a:prstGeom>
+          <a:noFill/>
+        </p:spPr>
+        <p:style>
+          <a:lnRef idx="2">
+            <a:schemeClr val="accent1">
+              <a:shade val="50000"/>
+            </a:schemeClr>
+          </a:lnRef>
+          <a:fillRef idx="1">
+            <a:schemeClr val="accent1"/>
+          </a:fillRef>
+          <a:effectRef idx="0">
+            <a:schemeClr val="accent1"/>
+          </a:effectRef>
+          <a:fontRef idx="minor">
+            <a:schemeClr val="lt1"/>
+          </a:fontRef>
+        </p:style>
+        <p:txBody>
+          <a:bodyPr rtlCol="0" anchor="ctr"/>
+          <a:lstStyle/>
+          <a:p>
+            <a:pPr algn="ctr"/>
+            <a:endParaRPr lang="en-US"/>
+          </a:p>
+        </p:txBody>
+      </p:sp>
+      <p:sp>
+        <p:nvSpPr>
+          <p:cNvPr id="21" name="Rectangle 20">
+            <a:extLst>
+              <a:ext uri="{FF2B5EF4-FFF2-40B4-BE49-F238E27FC236}">
+                <a16:creationId xmlns:a16="http://schemas.microsoft.com/office/drawing/2014/main" id="{C6523A18-0FA4-7040-9D61-5DB96F6166E8}"/>
+              </a:ext>
+            </a:extLst>
+          </p:cNvPr>
+          <p:cNvSpPr/>
+          <p:nvPr/>
+        </p:nvSpPr>
+        <p:spPr>
+          <a:xfrm>
+            <a:off x="126925" y="1436914"/>
+            <a:ext cx="7709210" cy="3927766"/>
+          </a:xfrm>
+          <a:prstGeom prst="rect">
+            <a:avLst/>
+          </a:prstGeom>
+          <a:solidFill>
+            <a:schemeClr val="bg2">
+              <a:alpha val="40000"/>
+            </a:schemeClr>
+          </a:solidFill>
+        </p:spPr>
+        <p:style>
+          <a:lnRef idx="2">
+            <a:schemeClr val="accent1">
+              <a:shade val="50000"/>
+            </a:schemeClr>
+          </a:lnRef>
+          <a:fillRef idx="1">
+            <a:schemeClr val="accent1"/>
+          </a:fillRef>
+          <a:effectRef idx="0">
+            <a:schemeClr val="accent1"/>
+          </a:effectRef>
+          <a:fontRef idx="minor">
+            <a:schemeClr val="lt1"/>
+          </a:fontRef>
+        </p:style>
+        <p:txBody>
+          <a:bodyPr rtlCol="0" anchor="ctr"/>
+          <a:lstStyle/>
+          <a:p>
+            <a:pPr algn="ctr"/>
+            <a:endParaRPr lang="en-US">
+              <a:solidFill>
+                <a:schemeClr val="accent1">
+                  <a:lumMod val="75000"/>
+                </a:schemeClr>
+              </a:solidFill>
+            </a:endParaRPr>
+          </a:p>
+        </p:txBody>
+      </p:sp>
+      <p:sp>
+        <p:nvSpPr>
+          <p:cNvPr id="27" name="Rectangle 26">
+            <a:extLst>
+              <a:ext uri="{FF2B5EF4-FFF2-40B4-BE49-F238E27FC236}">
+                <a16:creationId xmlns:a16="http://schemas.microsoft.com/office/drawing/2014/main" id="{B8BD38E5-B719-A040-961F-CB1DDA431BCD}"/>
+              </a:ext>
+            </a:extLst>
+          </p:cNvPr>
+          <p:cNvSpPr/>
+          <p:nvPr/>
+        </p:nvSpPr>
+        <p:spPr>
+          <a:xfrm rot="5400000">
+            <a:off x="4075121" y="-497784"/>
+            <a:ext cx="818941" cy="5141366"/>
+          </a:xfrm>
+          <a:prstGeom prst="rect">
+            <a:avLst/>
+          </a:prstGeom>
+          <a:solidFill>
+            <a:schemeClr val="accent4">
+              <a:lumMod val="20000"/>
+              <a:lumOff val="80000"/>
+            </a:schemeClr>
+          </a:solidFill>
+        </p:spPr>
+        <p:style>
+          <a:lnRef idx="2">
+            <a:schemeClr val="accent1">
+              <a:shade val="50000"/>
+            </a:schemeClr>
+          </a:lnRef>
+          <a:fillRef idx="1">
+            <a:schemeClr val="accent1"/>
+          </a:fillRef>
+          <a:effectRef idx="0">
+            <a:schemeClr val="accent1"/>
+          </a:effectRef>
+          <a:fontRef idx="minor">
+            <a:schemeClr val="lt1"/>
+          </a:fontRef>
+        </p:style>
+        <p:txBody>
+          <a:bodyPr rtlCol="0" anchor="ctr"/>
+          <a:lstStyle/>
+          <a:p>
+            <a:pPr algn="ctr"/>
+            <a:endParaRPr lang="en-US">
+              <a:solidFill>
+                <a:schemeClr val="accent1">
+                  <a:lumMod val="75000"/>
+                </a:schemeClr>
+              </a:solidFill>
+            </a:endParaRPr>
+          </a:p>
+        </p:txBody>
+      </p:sp>
+      <p:sp>
+        <p:nvSpPr>
+          <p:cNvPr id="28" name="Rectangle 27">
+            <a:extLst>
+              <a:ext uri="{FF2B5EF4-FFF2-40B4-BE49-F238E27FC236}">
+                <a16:creationId xmlns:a16="http://schemas.microsoft.com/office/drawing/2014/main" id="{F5196AA6-3EF6-D842-A7AC-4C65195FFE4F}"/>
+              </a:ext>
+            </a:extLst>
+          </p:cNvPr>
+          <p:cNvSpPr/>
+          <p:nvPr/>
+        </p:nvSpPr>
+        <p:spPr>
+          <a:xfrm>
+            <a:off x="1925557" y="1663427"/>
+            <a:ext cx="5129717" cy="297260"/>
+          </a:xfrm>
+          <a:prstGeom prst="rect">
+            <a:avLst/>
+          </a:prstGeom>
+          <a:noFill/>
+        </p:spPr>
+        <p:style>
+          <a:lnRef idx="2">
+            <a:schemeClr val="accent1">
+              <a:shade val="50000"/>
+            </a:schemeClr>
+          </a:lnRef>
+          <a:fillRef idx="1">
+            <a:schemeClr val="accent1"/>
+          </a:fillRef>
+          <a:effectRef idx="0">
+            <a:schemeClr val="accent1"/>
+          </a:effectRef>
+          <a:fontRef idx="minor">
+            <a:schemeClr val="lt1"/>
+          </a:fontRef>
+        </p:style>
+        <p:txBody>
+          <a:bodyPr rtlCol="0" anchor="ctr"/>
+          <a:lstStyle/>
+          <a:p>
+            <a:pPr algn="ctr"/>
+            <a:r>
+              <a:rPr lang="en-US" sz="1000">
+                <a:solidFill>
+                  <a:schemeClr val="accent1">
+                    <a:lumMod val="75000"/>
+                  </a:schemeClr>
+                </a:solidFill>
+                <a:latin typeface="Menlo" panose="020B0609030804020204" pitchFamily="49" charset="0"/>
+                <a:ea typeface="Menlo" panose="020B0609030804020204" pitchFamily="49" charset="0"/>
+                <a:cs typeface="Menlo" panose="020B0609030804020204" pitchFamily="49" charset="0"/>
+              </a:rPr>
+              <a:t>API Gateway</a:t>
+            </a:r>
+          </a:p>
+        </p:txBody>
+      </p:sp>
+      <p:sp>
+        <p:nvSpPr>
+          <p:cNvPr id="29" name="Rectangle 28">
+            <a:extLst>
+              <a:ext uri="{FF2B5EF4-FFF2-40B4-BE49-F238E27FC236}">
+                <a16:creationId xmlns:a16="http://schemas.microsoft.com/office/drawing/2014/main" id="{8AF582D8-88EE-2542-99A4-79D337267C65}"/>
+              </a:ext>
+            </a:extLst>
+          </p:cNvPr>
+          <p:cNvSpPr/>
+          <p:nvPr/>
+        </p:nvSpPr>
+        <p:spPr>
+          <a:xfrm>
+            <a:off x="1913910" y="2945186"/>
+            <a:ext cx="768237" cy="492369"/>
+          </a:xfrm>
+          <a:prstGeom prst="rect">
+            <a:avLst/>
+          </a:prstGeom>
+          <a:solidFill>
+            <a:schemeClr val="accent4">
+              <a:lumMod val="20000"/>
+              <a:lumOff val="80000"/>
+            </a:schemeClr>
+          </a:solidFill>
+        </p:spPr>
+        <p:style>
+          <a:lnRef idx="2">
+            <a:schemeClr val="accent1">
+              <a:shade val="50000"/>
+            </a:schemeClr>
+          </a:lnRef>
+          <a:fillRef idx="1">
+            <a:schemeClr val="accent1"/>
+          </a:fillRef>
+          <a:effectRef idx="0">
+            <a:schemeClr val="accent1"/>
+          </a:effectRef>
+          <a:fontRef idx="minor">
+            <a:schemeClr val="lt1"/>
+          </a:fontRef>
+        </p:style>
+        <p:txBody>
+          <a:bodyPr rtlCol="0" anchor="ctr"/>
+          <a:lstStyle/>
+          <a:p>
+            <a:pPr algn="ctr"/>
+            <a:r>
+              <a:rPr lang="en-US" sz="933">
+                <a:solidFill>
+                  <a:schemeClr val="accent1">
+                    <a:lumMod val="75000"/>
+                  </a:schemeClr>
+                </a:solidFill>
+                <a:latin typeface="Menlo" panose="020B0609030804020204" pitchFamily="49" charset="0"/>
+                <a:ea typeface="Menlo" panose="020B0609030804020204" pitchFamily="49" charset="0"/>
+                <a:cs typeface="Menlo" panose="020B0609030804020204" pitchFamily="49" charset="0"/>
+              </a:rPr>
+              <a:t>API Catalog</a:t>
+            </a:r>
+          </a:p>
+        </p:txBody>
+      </p:sp>
+      <p:sp>
+        <p:nvSpPr>
+          <p:cNvPr id="30" name="Rectangle 29">
+            <a:extLst>
+              <a:ext uri="{FF2B5EF4-FFF2-40B4-BE49-F238E27FC236}">
+                <a16:creationId xmlns:a16="http://schemas.microsoft.com/office/drawing/2014/main" id="{613B60D4-E0F5-8544-BEFF-75487F8C5CB8}"/>
+              </a:ext>
+            </a:extLst>
+          </p:cNvPr>
+          <p:cNvSpPr/>
+          <p:nvPr/>
+        </p:nvSpPr>
+        <p:spPr>
+          <a:xfrm>
+            <a:off x="2747634" y="2949151"/>
+            <a:ext cx="918487" cy="492369"/>
+          </a:xfrm>
+          <a:prstGeom prst="rect">
+            <a:avLst/>
+          </a:prstGeom>
+          <a:solidFill>
+            <a:schemeClr val="accent4">
+              <a:lumMod val="20000"/>
+              <a:lumOff val="80000"/>
+            </a:schemeClr>
+          </a:solidFill>
+        </p:spPr>
+        <p:style>
+          <a:lnRef idx="2">
+            <a:schemeClr val="accent1">
+              <a:shade val="50000"/>
+            </a:schemeClr>
+          </a:lnRef>
+          <a:fillRef idx="1">
+            <a:schemeClr val="accent1"/>
+          </a:fillRef>
+          <a:effectRef idx="0">
+            <a:schemeClr val="accent1"/>
+          </a:effectRef>
+          <a:fontRef idx="minor">
+            <a:schemeClr val="lt1"/>
+          </a:fontRef>
+        </p:style>
+        <p:txBody>
+          <a:bodyPr rtlCol="0" anchor="ctr"/>
+          <a:lstStyle/>
+          <a:p>
+            <a:pPr algn="ctr"/>
+            <a:r>
+              <a:rPr lang="en-US" sz="933">
+                <a:solidFill>
+                  <a:schemeClr val="accent1">
+                    <a:lumMod val="75000"/>
+                  </a:schemeClr>
+                </a:solidFill>
+                <a:latin typeface="Menlo" panose="020B0609030804020204" pitchFamily="49" charset="0"/>
+                <a:ea typeface="Menlo" panose="020B0609030804020204" pitchFamily="49" charset="0"/>
+                <a:cs typeface="Menlo" panose="020B0609030804020204" pitchFamily="49" charset="0"/>
+              </a:rPr>
+              <a:t>API Discovery</a:t>
+            </a:r>
+          </a:p>
+        </p:txBody>
+      </p:sp>
+      <p:cxnSp>
+        <p:nvCxnSpPr>
+          <p:cNvPr id="32" name="Straight Arrow Connector 31">
+            <a:extLst>
+              <a:ext uri="{FF2B5EF4-FFF2-40B4-BE49-F238E27FC236}">
+                <a16:creationId xmlns:a16="http://schemas.microsoft.com/office/drawing/2014/main" id="{BD316678-45F2-FC41-929D-9AFEFDB6D35C}"/>
+              </a:ext>
+            </a:extLst>
+          </p:cNvPr>
+          <p:cNvCxnSpPr>
+            <a:cxnSpLocks/>
+            <a:endCxn id="29" idx="0"/>
+          </p:cNvCxnSpPr>
+          <p:nvPr/>
+        </p:nvCxnSpPr>
+        <p:spPr>
+          <a:xfrm>
+            <a:off x="2298028" y="2482370"/>
+            <a:ext cx="0" cy="462817"/>
+          </a:xfrm>
+          <a:prstGeom prst="straightConnector1">
+            <a:avLst/>
+          </a:prstGeom>
+          <a:ln>
+            <a:headEnd type="triangle"/>
+            <a:tailEnd type="triangle"/>
+          </a:ln>
+        </p:spPr>
+        <p:style>
+          <a:lnRef idx="1">
+            <a:schemeClr val="accent1"/>
+          </a:lnRef>
+          <a:fillRef idx="0">
+            <a:schemeClr val="accent1"/>
+          </a:fillRef>
+          <a:effectRef idx="0">
+            <a:schemeClr val="accent1"/>
+          </a:effectRef>
+          <a:fontRef idx="minor">
+            <a:schemeClr val="tx1"/>
+          </a:fontRef>
+        </p:style>
+      </p:cxnSp>
+      <p:cxnSp>
+        <p:nvCxnSpPr>
+          <p:cNvPr id="38" name="Straight Arrow Connector 37">
+            <a:extLst>
+              <a:ext uri="{FF2B5EF4-FFF2-40B4-BE49-F238E27FC236}">
+                <a16:creationId xmlns:a16="http://schemas.microsoft.com/office/drawing/2014/main" id="{2B8525D1-5DD2-9144-B286-EB52E77203BE}"/>
+              </a:ext>
+            </a:extLst>
+          </p:cNvPr>
+          <p:cNvCxnSpPr>
+            <a:cxnSpLocks/>
+          </p:cNvCxnSpPr>
+          <p:nvPr/>
+        </p:nvCxnSpPr>
+        <p:spPr>
+          <a:xfrm>
+            <a:off x="3166047" y="2482370"/>
+            <a:ext cx="0" cy="462817"/>
+          </a:xfrm>
+          <a:prstGeom prst="straightConnector1">
+            <a:avLst/>
+          </a:prstGeom>
+          <a:ln>
+            <a:headEnd type="triangle"/>
+            <a:tailEnd type="triangle"/>
+          </a:ln>
+        </p:spPr>
+        <p:style>
+          <a:lnRef idx="1">
+            <a:schemeClr val="accent1"/>
+          </a:lnRef>
+          <a:fillRef idx="0">
+            <a:schemeClr val="accent1"/>
+          </a:fillRef>
+          <a:effectRef idx="0">
+            <a:schemeClr val="accent1"/>
+          </a:effectRef>
+          <a:fontRef idx="minor">
+            <a:schemeClr val="tx1"/>
+          </a:fontRef>
+        </p:style>
+      </p:cxnSp>
+      <p:sp>
+        <p:nvSpPr>
+          <p:cNvPr id="39" name="Rectangle 38">
+            <a:extLst>
+              <a:ext uri="{FF2B5EF4-FFF2-40B4-BE49-F238E27FC236}">
+                <a16:creationId xmlns:a16="http://schemas.microsoft.com/office/drawing/2014/main" id="{82FFFBCF-6F96-BA4C-A2A8-04C04381BB79}"/>
+              </a:ext>
+            </a:extLst>
+          </p:cNvPr>
+          <p:cNvSpPr/>
+          <p:nvPr/>
+        </p:nvSpPr>
+        <p:spPr>
+          <a:xfrm>
+            <a:off x="3803299" y="2960568"/>
+            <a:ext cx="434690" cy="476272"/>
+          </a:xfrm>
+          <a:prstGeom prst="rect">
+            <a:avLst/>
+          </a:prstGeom>
+          <a:solidFill>
+            <a:schemeClr val="accent6">
+              <a:lumMod val="20000"/>
+              <a:lumOff val="80000"/>
+            </a:schemeClr>
+          </a:solidFill>
+        </p:spPr>
+        <p:style>
+          <a:lnRef idx="2">
+            <a:schemeClr val="accent1">
+              <a:shade val="50000"/>
+            </a:schemeClr>
+          </a:lnRef>
+          <a:fillRef idx="1">
+            <a:schemeClr val="accent1"/>
+          </a:fillRef>
+          <a:effectRef idx="0">
+            <a:schemeClr val="accent1"/>
+          </a:effectRef>
+          <a:fontRef idx="minor">
+            <a:schemeClr val="lt1"/>
+          </a:fontRef>
+        </p:style>
+        <p:txBody>
+          <a:bodyPr rtlCol="0" anchor="ctr"/>
+          <a:lstStyle/>
+          <a:p>
+            <a:pPr algn="ctr"/>
+            <a:r>
+              <a:rPr lang="en-US" sz="933">
+                <a:solidFill>
+                  <a:schemeClr val="accent1">
+                    <a:lumMod val="75000"/>
+                  </a:schemeClr>
+                </a:solidFill>
+                <a:latin typeface="Menlo" panose="020B0609030804020204" pitchFamily="49" charset="0"/>
+                <a:ea typeface="Menlo" panose="020B0609030804020204" pitchFamily="49" charset="0"/>
+                <a:cs typeface="Menlo" panose="020B0609030804020204" pitchFamily="49" charset="0"/>
+              </a:rPr>
+              <a:t>MVS UI</a:t>
+            </a:r>
+          </a:p>
+        </p:txBody>
+      </p:sp>
+      <p:sp>
+        <p:nvSpPr>
+          <p:cNvPr id="40" name="Rectangle 39">
+            <a:extLst>
+              <a:ext uri="{FF2B5EF4-FFF2-40B4-BE49-F238E27FC236}">
+                <a16:creationId xmlns:a16="http://schemas.microsoft.com/office/drawing/2014/main" id="{EE3A7E9E-4BFA-7048-A93A-B226BC2CCB8D}"/>
+              </a:ext>
+            </a:extLst>
+          </p:cNvPr>
+          <p:cNvSpPr/>
+          <p:nvPr/>
+        </p:nvSpPr>
+        <p:spPr>
+          <a:xfrm>
+            <a:off x="4638018" y="2950497"/>
+            <a:ext cx="564732" cy="471956"/>
+          </a:xfrm>
+          <a:prstGeom prst="rect">
+            <a:avLst/>
+          </a:prstGeom>
+          <a:solidFill>
+            <a:schemeClr val="accent6">
+              <a:lumMod val="20000"/>
+              <a:lumOff val="80000"/>
+            </a:schemeClr>
+          </a:solidFill>
+        </p:spPr>
+        <p:style>
+          <a:lnRef idx="2">
+            <a:schemeClr val="accent1">
+              <a:shade val="50000"/>
+            </a:schemeClr>
+          </a:lnRef>
+          <a:fillRef idx="1">
+            <a:schemeClr val="accent1"/>
+          </a:fillRef>
+          <a:effectRef idx="0">
+            <a:schemeClr val="accent1"/>
+          </a:effectRef>
+          <a:fontRef idx="minor">
+            <a:schemeClr val="lt1"/>
+          </a:fontRef>
+        </p:style>
+        <p:txBody>
+          <a:bodyPr rtlCol="0" anchor="ctr"/>
+          <a:lstStyle/>
+          <a:p>
+            <a:pPr algn="ctr"/>
+            <a:r>
+              <a:rPr lang="en-US" sz="933">
+                <a:solidFill>
+                  <a:schemeClr val="accent1">
+                    <a:lumMod val="75000"/>
+                  </a:schemeClr>
+                </a:solidFill>
+                <a:latin typeface="Menlo" panose="020B0609030804020204" pitchFamily="49" charset="0"/>
+                <a:ea typeface="Menlo" panose="020B0609030804020204" pitchFamily="49" charset="0"/>
+                <a:cs typeface="Menlo" panose="020B0609030804020204" pitchFamily="49" charset="0"/>
+              </a:rPr>
+              <a:t>JES UI</a:t>
+            </a:r>
+          </a:p>
+        </p:txBody>
+      </p:sp>
+      <p:sp>
+        <p:nvSpPr>
+          <p:cNvPr id="41" name="Rectangle 40">
+            <a:extLst>
+              <a:ext uri="{FF2B5EF4-FFF2-40B4-BE49-F238E27FC236}">
+                <a16:creationId xmlns:a16="http://schemas.microsoft.com/office/drawing/2014/main" id="{38830FD5-B0E7-304D-A162-42509A56C2A0}"/>
+              </a:ext>
+            </a:extLst>
+          </p:cNvPr>
+          <p:cNvSpPr/>
+          <p:nvPr/>
+        </p:nvSpPr>
+        <p:spPr>
+          <a:xfrm>
+            <a:off x="5827120" y="2946180"/>
+            <a:ext cx="647781" cy="476273"/>
+          </a:xfrm>
+          <a:prstGeom prst="rect">
+            <a:avLst/>
+          </a:prstGeom>
+          <a:solidFill>
+            <a:schemeClr val="accent6">
+              <a:lumMod val="20000"/>
+              <a:lumOff val="80000"/>
+            </a:schemeClr>
+          </a:solidFill>
+        </p:spPr>
+        <p:style>
+          <a:lnRef idx="2">
+            <a:schemeClr val="accent1">
+              <a:shade val="50000"/>
+            </a:schemeClr>
+          </a:lnRef>
+          <a:fillRef idx="1">
+            <a:schemeClr val="accent1"/>
+          </a:fillRef>
+          <a:effectRef idx="0">
+            <a:schemeClr val="accent1"/>
+          </a:effectRef>
+          <a:fontRef idx="minor">
+            <a:schemeClr val="lt1"/>
+          </a:fontRef>
+        </p:style>
+        <p:txBody>
+          <a:bodyPr rtlCol="0" anchor="ctr"/>
+          <a:lstStyle/>
+          <a:p>
+            <a:pPr algn="ctr"/>
+            <a:r>
+              <a:rPr lang="en-US" sz="933">
+                <a:solidFill>
+                  <a:schemeClr val="accent1">
+                    <a:lumMod val="75000"/>
+                  </a:schemeClr>
+                </a:solidFill>
+                <a:latin typeface="Menlo" panose="020B0609030804020204" pitchFamily="49" charset="0"/>
+                <a:ea typeface="Menlo" panose="020B0609030804020204" pitchFamily="49" charset="0"/>
+                <a:cs typeface="Menlo" panose="020B0609030804020204" pitchFamily="49" charset="0"/>
+              </a:rPr>
+              <a:t>USS</a:t>
+            </a:r>
+          </a:p>
+          <a:p>
+            <a:pPr algn="ctr"/>
+            <a:r>
+              <a:rPr lang="en-US" sz="933">
+                <a:solidFill>
+                  <a:schemeClr val="accent1">
+                    <a:lumMod val="75000"/>
+                  </a:schemeClr>
+                </a:solidFill>
+                <a:latin typeface="Menlo" panose="020B0609030804020204" pitchFamily="49" charset="0"/>
+                <a:ea typeface="Menlo" panose="020B0609030804020204" pitchFamily="49" charset="0"/>
+                <a:cs typeface="Menlo" panose="020B0609030804020204" pitchFamily="49" charset="0"/>
+              </a:rPr>
+              <a:t>UI</a:t>
+            </a:r>
+          </a:p>
+        </p:txBody>
+      </p:sp>
+      <p:sp>
+        <p:nvSpPr>
+          <p:cNvPr id="42" name="Rectangle 41">
+            <a:extLst>
+              <a:ext uri="{FF2B5EF4-FFF2-40B4-BE49-F238E27FC236}">
+                <a16:creationId xmlns:a16="http://schemas.microsoft.com/office/drawing/2014/main" id="{7A2C7D56-E8C6-1042-9DF3-33D6754C7710}"/>
+              </a:ext>
+            </a:extLst>
+          </p:cNvPr>
+          <p:cNvSpPr/>
+          <p:nvPr/>
+        </p:nvSpPr>
+        <p:spPr>
+          <a:xfrm>
+            <a:off x="3799688" y="3737921"/>
+            <a:ext cx="670955" cy="476275"/>
+          </a:xfrm>
+          <a:prstGeom prst="rect">
+            <a:avLst/>
+          </a:prstGeom>
+          <a:solidFill>
+            <a:schemeClr val="accent4">
+              <a:lumMod val="20000"/>
+              <a:lumOff val="80000"/>
+            </a:schemeClr>
+          </a:solidFill>
+        </p:spPr>
+        <p:style>
+          <a:lnRef idx="2">
+            <a:schemeClr val="accent1">
+              <a:shade val="50000"/>
+            </a:schemeClr>
+          </a:lnRef>
+          <a:fillRef idx="1">
+            <a:schemeClr val="accent1"/>
+          </a:fillRef>
+          <a:effectRef idx="0">
+            <a:schemeClr val="accent1"/>
+          </a:effectRef>
+          <a:fontRef idx="minor">
+            <a:schemeClr val="lt1"/>
+          </a:fontRef>
+        </p:style>
+        <p:txBody>
+          <a:bodyPr rtlCol="0" anchor="ctr"/>
+          <a:lstStyle/>
+          <a:p>
+            <a:pPr algn="ctr"/>
+            <a:r>
+              <a:rPr lang="en-US" sz="933">
+                <a:solidFill>
+                  <a:schemeClr val="accent1">
+                    <a:lumMod val="75000"/>
+                  </a:schemeClr>
+                </a:solidFill>
+                <a:latin typeface="Menlo" panose="020B0609030804020204" pitchFamily="49" charset="0"/>
+                <a:ea typeface="Menlo" panose="020B0609030804020204" pitchFamily="49" charset="0"/>
+                <a:cs typeface="Menlo" panose="020B0609030804020204" pitchFamily="49" charset="0"/>
+              </a:rPr>
+              <a:t>File API</a:t>
+            </a:r>
+          </a:p>
+        </p:txBody>
+      </p:sp>
+      <p:sp>
+        <p:nvSpPr>
+          <p:cNvPr id="43" name="Rectangle 42">
+            <a:extLst>
+              <a:ext uri="{FF2B5EF4-FFF2-40B4-BE49-F238E27FC236}">
+                <a16:creationId xmlns:a16="http://schemas.microsoft.com/office/drawing/2014/main" id="{9CF8B830-DC0B-A740-A36B-B958C1A572E0}"/>
+              </a:ext>
+            </a:extLst>
+          </p:cNvPr>
+          <p:cNvSpPr/>
+          <p:nvPr/>
+        </p:nvSpPr>
+        <p:spPr>
+          <a:xfrm>
+            <a:off x="4854492" y="3736237"/>
+            <a:ext cx="566396" cy="476275"/>
+          </a:xfrm>
+          <a:prstGeom prst="rect">
+            <a:avLst/>
+          </a:prstGeom>
+          <a:solidFill>
+            <a:schemeClr val="accent4">
+              <a:lumMod val="20000"/>
+              <a:lumOff val="80000"/>
+            </a:schemeClr>
+          </a:solidFill>
+        </p:spPr>
+        <p:style>
+          <a:lnRef idx="2">
+            <a:schemeClr val="accent1">
+              <a:shade val="50000"/>
+            </a:schemeClr>
+          </a:lnRef>
+          <a:fillRef idx="1">
+            <a:schemeClr val="accent1"/>
+          </a:fillRef>
+          <a:effectRef idx="0">
+            <a:schemeClr val="accent1"/>
+          </a:effectRef>
+          <a:fontRef idx="minor">
+            <a:schemeClr val="lt1"/>
+          </a:fontRef>
+        </p:style>
+        <p:txBody>
+          <a:bodyPr rtlCol="0" anchor="ctr"/>
+          <a:lstStyle/>
+          <a:p>
+            <a:pPr algn="ctr"/>
+            <a:r>
+              <a:rPr lang="en-US" sz="933">
+                <a:solidFill>
+                  <a:schemeClr val="accent1">
+                    <a:lumMod val="75000"/>
+                  </a:schemeClr>
+                </a:solidFill>
+                <a:latin typeface="Menlo" panose="020B0609030804020204" pitchFamily="49" charset="0"/>
+                <a:ea typeface="Menlo" panose="020B0609030804020204" pitchFamily="49" charset="0"/>
+                <a:cs typeface="Menlo" panose="020B0609030804020204" pitchFamily="49" charset="0"/>
+              </a:rPr>
+              <a:t>JES API</a:t>
+            </a:r>
+          </a:p>
+        </p:txBody>
+      </p:sp>
+      <p:cxnSp>
+        <p:nvCxnSpPr>
+          <p:cNvPr id="45" name="Straight Arrow Connector 44">
+            <a:extLst>
+              <a:ext uri="{FF2B5EF4-FFF2-40B4-BE49-F238E27FC236}">
+                <a16:creationId xmlns:a16="http://schemas.microsoft.com/office/drawing/2014/main" id="{3892E7B8-0947-C447-9E5E-CE36A08691A2}"/>
+              </a:ext>
+            </a:extLst>
+          </p:cNvPr>
+          <p:cNvCxnSpPr>
+            <a:cxnSpLocks/>
+          </p:cNvCxnSpPr>
+          <p:nvPr/>
+        </p:nvCxnSpPr>
+        <p:spPr>
+          <a:xfrm flipH="1">
+            <a:off x="4406806" y="2502982"/>
+            <a:ext cx="14526" cy="1233255"/>
+          </a:xfrm>
+          <a:prstGeom prst="straightConnector1">
+            <a:avLst/>
+          </a:prstGeom>
+          <a:ln>
+            <a:headEnd type="triangle"/>
+            <a:tailEnd type="triangle"/>
+          </a:ln>
+        </p:spPr>
+        <p:style>
+          <a:lnRef idx="1">
+            <a:schemeClr val="accent1"/>
+          </a:lnRef>
+          <a:fillRef idx="0">
+            <a:schemeClr val="accent1"/>
+          </a:fillRef>
+          <a:effectRef idx="0">
+            <a:schemeClr val="accent1"/>
+          </a:effectRef>
+          <a:fontRef idx="minor">
+            <a:schemeClr val="tx1"/>
+          </a:fontRef>
+        </p:style>
+      </p:cxnSp>
+      <p:cxnSp>
+        <p:nvCxnSpPr>
+          <p:cNvPr id="46" name="Straight Arrow Connector 45">
+            <a:extLst>
+              <a:ext uri="{FF2B5EF4-FFF2-40B4-BE49-F238E27FC236}">
+                <a16:creationId xmlns:a16="http://schemas.microsoft.com/office/drawing/2014/main" id="{021AF651-50B6-6746-B692-A167727F149A}"/>
+              </a:ext>
+            </a:extLst>
+          </p:cNvPr>
+          <p:cNvCxnSpPr>
+            <a:cxnSpLocks/>
+          </p:cNvCxnSpPr>
+          <p:nvPr/>
+        </p:nvCxnSpPr>
+        <p:spPr>
+          <a:xfrm>
+            <a:off x="4425563" y="903944"/>
+            <a:ext cx="0" cy="759483"/>
+          </a:xfrm>
+          <a:prstGeom prst="straightConnector1">
+            <a:avLst/>
+          </a:prstGeom>
+          <a:ln>
+            <a:headEnd type="triangle"/>
+            <a:tailEnd type="triangle"/>
+          </a:ln>
+        </p:spPr>
+        <p:style>
+          <a:lnRef idx="1">
+            <a:schemeClr val="accent1"/>
+          </a:lnRef>
+          <a:fillRef idx="0">
+            <a:schemeClr val="accent1"/>
+          </a:fillRef>
+          <a:effectRef idx="0">
+            <a:schemeClr val="accent1"/>
+          </a:effectRef>
+          <a:fontRef idx="minor">
+            <a:schemeClr val="tx1"/>
+          </a:fontRef>
+        </p:style>
+      </p:cxnSp>
+      <p:sp>
+        <p:nvSpPr>
+          <p:cNvPr id="48" name="TextBox 47">
+            <a:extLst>
+              <a:ext uri="{FF2B5EF4-FFF2-40B4-BE49-F238E27FC236}">
+                <a16:creationId xmlns:a16="http://schemas.microsoft.com/office/drawing/2014/main" id="{41691BFB-2D24-0547-A69D-0918666B0AB3}"/>
+              </a:ext>
+            </a:extLst>
+          </p:cNvPr>
+          <p:cNvSpPr txBox="1"/>
+          <p:nvPr/>
+        </p:nvSpPr>
+        <p:spPr>
+          <a:xfrm>
+            <a:off x="4384345" y="1317213"/>
+            <a:ext cx="524503" cy="261610"/>
+          </a:xfrm>
+          <a:prstGeom prst="rect">
+            <a:avLst/>
+          </a:prstGeom>
+          <a:noFill/>
+        </p:spPr>
+        <p:txBody>
+          <a:bodyPr wrap="none" rtlCol="0">
+            <a:spAutoFit/>
+          </a:bodyPr>
+          <a:lstStyle/>
+          <a:p>
+            <a:r>
+              <a:rPr lang="en-US" sz="1100">
+                <a:solidFill>
+                  <a:schemeClr val="accent1">
+                    <a:lumMod val="75000"/>
+                  </a:schemeClr>
+                </a:solidFill>
+                <a:latin typeface="Menlo" panose="020B0609030804020204" pitchFamily="49" charset="0"/>
+                <a:ea typeface="Menlo" panose="020B0609030804020204" pitchFamily="49" charset="0"/>
+                <a:cs typeface="Menlo" panose="020B0609030804020204" pitchFamily="49" charset="0"/>
+              </a:rPr>
+              <a:t>7554</a:t>
+            </a:r>
+          </a:p>
+        </p:txBody>
+      </p:sp>
+      <p:sp>
+        <p:nvSpPr>
+          <p:cNvPr id="49" name="TextBox 48">
+            <a:extLst>
+              <a:ext uri="{FF2B5EF4-FFF2-40B4-BE49-F238E27FC236}">
+                <a16:creationId xmlns:a16="http://schemas.microsoft.com/office/drawing/2014/main" id="{7352B5E6-D9E3-3B44-986D-749969DFF4EB}"/>
+              </a:ext>
+            </a:extLst>
+          </p:cNvPr>
+          <p:cNvSpPr txBox="1"/>
+          <p:nvPr/>
+        </p:nvSpPr>
+        <p:spPr>
+          <a:xfrm>
+            <a:off x="1803274" y="2682653"/>
+            <a:ext cx="524503" cy="261610"/>
+          </a:xfrm>
+          <a:prstGeom prst="rect">
+            <a:avLst/>
+          </a:prstGeom>
+          <a:noFill/>
+        </p:spPr>
+        <p:txBody>
+          <a:bodyPr wrap="none" rtlCol="0">
+            <a:spAutoFit/>
+          </a:bodyPr>
+          <a:lstStyle/>
+          <a:p>
+            <a:r>
+              <a:rPr lang="en-US" sz="1100">
+                <a:solidFill>
+                  <a:schemeClr val="accent1">
+                    <a:lumMod val="75000"/>
+                  </a:schemeClr>
+                </a:solidFill>
+                <a:latin typeface="Menlo" panose="020B0609030804020204" pitchFamily="49" charset="0"/>
+                <a:ea typeface="Menlo" panose="020B0609030804020204" pitchFamily="49" charset="0"/>
+                <a:cs typeface="Menlo" panose="020B0609030804020204" pitchFamily="49" charset="0"/>
+              </a:rPr>
+              <a:t>7552</a:t>
+            </a:r>
+          </a:p>
+        </p:txBody>
+      </p:sp>
+      <p:sp>
+        <p:nvSpPr>
+          <p:cNvPr id="50" name="TextBox 49">
+            <a:extLst>
+              <a:ext uri="{FF2B5EF4-FFF2-40B4-BE49-F238E27FC236}">
+                <a16:creationId xmlns:a16="http://schemas.microsoft.com/office/drawing/2014/main" id="{DCFE695A-EC51-3E41-9C73-F580614481B1}"/>
+              </a:ext>
+            </a:extLst>
+          </p:cNvPr>
+          <p:cNvSpPr txBox="1"/>
+          <p:nvPr/>
+        </p:nvSpPr>
+        <p:spPr>
+          <a:xfrm>
+            <a:off x="2711897" y="2682653"/>
+            <a:ext cx="524503" cy="261610"/>
+          </a:xfrm>
+          <a:prstGeom prst="rect">
+            <a:avLst/>
+          </a:prstGeom>
+          <a:noFill/>
+        </p:spPr>
+        <p:txBody>
+          <a:bodyPr wrap="none" rtlCol="0">
+            <a:spAutoFit/>
+          </a:bodyPr>
+          <a:lstStyle/>
+          <a:p>
+            <a:r>
+              <a:rPr lang="en-US" sz="1100">
+                <a:solidFill>
+                  <a:schemeClr val="accent1">
+                    <a:lumMod val="75000"/>
+                  </a:schemeClr>
+                </a:solidFill>
+                <a:latin typeface="Menlo" panose="020B0609030804020204" pitchFamily="49" charset="0"/>
+                <a:ea typeface="Menlo" panose="020B0609030804020204" pitchFamily="49" charset="0"/>
+                <a:cs typeface="Menlo" panose="020B0609030804020204" pitchFamily="49" charset="0"/>
+              </a:rPr>
+              <a:t>7553</a:t>
+            </a:r>
+          </a:p>
+        </p:txBody>
+      </p:sp>
+      <p:sp>
+        <p:nvSpPr>
+          <p:cNvPr id="51" name="TextBox 50">
+            <a:extLst>
+              <a:ext uri="{FF2B5EF4-FFF2-40B4-BE49-F238E27FC236}">
+                <a16:creationId xmlns:a16="http://schemas.microsoft.com/office/drawing/2014/main" id="{C24C4305-5BA2-1B43-A80B-DF777ED8E227}"/>
+              </a:ext>
+            </a:extLst>
+          </p:cNvPr>
+          <p:cNvSpPr txBox="1"/>
+          <p:nvPr/>
+        </p:nvSpPr>
+        <p:spPr>
+          <a:xfrm>
+            <a:off x="3765437" y="3496012"/>
+            <a:ext cx="511679" cy="256545"/>
+          </a:xfrm>
+          <a:prstGeom prst="rect">
+            <a:avLst/>
+          </a:prstGeom>
+          <a:noFill/>
+        </p:spPr>
+        <p:txBody>
+          <a:bodyPr wrap="none" rtlCol="0">
+            <a:spAutoFit/>
+          </a:bodyPr>
+          <a:lstStyle/>
+          <a:p>
+            <a:r>
+              <a:rPr lang="en-US" sz="1067">
+                <a:solidFill>
+                  <a:schemeClr val="accent1">
+                    <a:lumMod val="75000"/>
+                  </a:schemeClr>
+                </a:solidFill>
+                <a:latin typeface="Menlo" panose="020B0609030804020204" pitchFamily="49" charset="0"/>
+                <a:ea typeface="Menlo" panose="020B0609030804020204" pitchFamily="49" charset="0"/>
+                <a:cs typeface="Menlo" panose="020B0609030804020204" pitchFamily="49" charset="0"/>
+              </a:rPr>
+              <a:t>8547</a:t>
+            </a:r>
+          </a:p>
+        </p:txBody>
+      </p:sp>
+      <p:cxnSp>
+        <p:nvCxnSpPr>
+          <p:cNvPr id="52" name="Straight Arrow Connector 51">
+            <a:extLst>
+              <a:ext uri="{FF2B5EF4-FFF2-40B4-BE49-F238E27FC236}">
+                <a16:creationId xmlns:a16="http://schemas.microsoft.com/office/drawing/2014/main" id="{1A8D5EA7-D754-BD43-8ADC-13C0B2EE28C5}"/>
+              </a:ext>
+            </a:extLst>
+          </p:cNvPr>
+          <p:cNvCxnSpPr>
+            <a:cxnSpLocks/>
+          </p:cNvCxnSpPr>
+          <p:nvPr/>
+        </p:nvCxnSpPr>
+        <p:spPr>
+          <a:xfrm>
+            <a:off x="5366086" y="2494848"/>
+            <a:ext cx="0" cy="1241389"/>
+          </a:xfrm>
+          <a:prstGeom prst="straightConnector1">
+            <a:avLst/>
+          </a:prstGeom>
+          <a:ln>
+            <a:headEnd type="triangle"/>
+            <a:tailEnd type="triangle"/>
+          </a:ln>
+        </p:spPr>
+        <p:style>
+          <a:lnRef idx="1">
+            <a:schemeClr val="accent1"/>
+          </a:lnRef>
+          <a:fillRef idx="0">
+            <a:schemeClr val="accent1"/>
+          </a:fillRef>
+          <a:effectRef idx="0">
+            <a:schemeClr val="accent1"/>
+          </a:effectRef>
+          <a:fontRef idx="minor">
+            <a:schemeClr val="tx1"/>
+          </a:fontRef>
+        </p:style>
+      </p:cxnSp>
+      <p:sp>
+        <p:nvSpPr>
+          <p:cNvPr id="54" name="TextBox 53">
+            <a:extLst>
+              <a:ext uri="{FF2B5EF4-FFF2-40B4-BE49-F238E27FC236}">
+                <a16:creationId xmlns:a16="http://schemas.microsoft.com/office/drawing/2014/main" id="{522E71EC-E73F-8045-92CA-2E9B816D4A91}"/>
+              </a:ext>
+            </a:extLst>
+          </p:cNvPr>
+          <p:cNvSpPr txBox="1"/>
+          <p:nvPr/>
+        </p:nvSpPr>
+        <p:spPr>
+          <a:xfrm>
+            <a:off x="4614861" y="3475481"/>
+            <a:ext cx="524503" cy="261610"/>
+          </a:xfrm>
+          <a:prstGeom prst="rect">
+            <a:avLst/>
+          </a:prstGeom>
+          <a:noFill/>
+        </p:spPr>
+        <p:txBody>
+          <a:bodyPr wrap="none" rtlCol="0">
+            <a:spAutoFit/>
+          </a:bodyPr>
+          <a:lstStyle/>
+          <a:p>
+            <a:r>
+              <a:rPr lang="en-US" sz="1100">
+                <a:solidFill>
+                  <a:schemeClr val="accent1">
+                    <a:lumMod val="75000"/>
+                  </a:schemeClr>
+                </a:solidFill>
+                <a:latin typeface="Menlo" panose="020B0609030804020204" pitchFamily="49" charset="0"/>
+                <a:ea typeface="Menlo" panose="020B0609030804020204" pitchFamily="49" charset="0"/>
+                <a:cs typeface="Menlo" panose="020B0609030804020204" pitchFamily="49" charset="0"/>
+              </a:rPr>
+              <a:t>8545</a:t>
+            </a:r>
+          </a:p>
+        </p:txBody>
+      </p:sp>
+      <p:cxnSp>
+        <p:nvCxnSpPr>
+          <p:cNvPr id="55" name="Straight Arrow Connector 54">
+            <a:extLst>
+              <a:ext uri="{FF2B5EF4-FFF2-40B4-BE49-F238E27FC236}">
+                <a16:creationId xmlns:a16="http://schemas.microsoft.com/office/drawing/2014/main" id="{3DA6970D-339E-0D4A-9DB9-7098BFD59F0F}"/>
+              </a:ext>
+            </a:extLst>
+          </p:cNvPr>
+          <p:cNvCxnSpPr>
+            <a:cxnSpLocks/>
+          </p:cNvCxnSpPr>
+          <p:nvPr/>
+        </p:nvCxnSpPr>
+        <p:spPr>
+          <a:xfrm>
+            <a:off x="4189176" y="2477207"/>
+            <a:ext cx="0" cy="462817"/>
+          </a:xfrm>
+          <a:prstGeom prst="straightConnector1">
+            <a:avLst/>
+          </a:prstGeom>
+          <a:ln>
+            <a:headEnd type="triangle"/>
+            <a:tailEnd type="triangle"/>
+          </a:ln>
+        </p:spPr>
+        <p:style>
+          <a:lnRef idx="1">
+            <a:schemeClr val="accent1"/>
+          </a:lnRef>
+          <a:fillRef idx="0">
+            <a:schemeClr val="accent1"/>
+          </a:fillRef>
+          <a:effectRef idx="0">
+            <a:schemeClr val="accent1"/>
+          </a:effectRef>
+          <a:fontRef idx="minor">
+            <a:schemeClr val="tx1"/>
+          </a:fontRef>
+        </p:style>
+      </p:cxnSp>
+      <p:cxnSp>
+        <p:nvCxnSpPr>
+          <p:cNvPr id="56" name="Straight Arrow Connector 55">
+            <a:extLst>
+              <a:ext uri="{FF2B5EF4-FFF2-40B4-BE49-F238E27FC236}">
+                <a16:creationId xmlns:a16="http://schemas.microsoft.com/office/drawing/2014/main" id="{57AFBBAF-5B9E-4043-B919-74BEA94D894E}"/>
+              </a:ext>
+            </a:extLst>
+          </p:cNvPr>
+          <p:cNvCxnSpPr>
+            <a:cxnSpLocks/>
+          </p:cNvCxnSpPr>
+          <p:nvPr/>
+        </p:nvCxnSpPr>
+        <p:spPr>
+          <a:xfrm>
+            <a:off x="5034348" y="2473422"/>
+            <a:ext cx="0" cy="462817"/>
+          </a:xfrm>
+          <a:prstGeom prst="straightConnector1">
+            <a:avLst/>
+          </a:prstGeom>
+          <a:ln>
+            <a:headEnd type="triangle"/>
+            <a:tailEnd type="triangle"/>
+          </a:ln>
+        </p:spPr>
+        <p:style>
+          <a:lnRef idx="1">
+            <a:schemeClr val="accent1"/>
+          </a:lnRef>
+          <a:fillRef idx="0">
+            <a:schemeClr val="accent1"/>
+          </a:fillRef>
+          <a:effectRef idx="0">
+            <a:schemeClr val="accent1"/>
+          </a:effectRef>
+          <a:fontRef idx="minor">
+            <a:schemeClr val="tx1"/>
+          </a:fontRef>
+        </p:style>
+      </p:cxnSp>
+      <p:cxnSp>
+        <p:nvCxnSpPr>
+          <p:cNvPr id="57" name="Straight Arrow Connector 56">
+            <a:extLst>
+              <a:ext uri="{FF2B5EF4-FFF2-40B4-BE49-F238E27FC236}">
+                <a16:creationId xmlns:a16="http://schemas.microsoft.com/office/drawing/2014/main" id="{79D4C01E-B964-F74B-9D68-801D8A100C91}"/>
+              </a:ext>
+            </a:extLst>
+          </p:cNvPr>
+          <p:cNvCxnSpPr>
+            <a:cxnSpLocks/>
+          </p:cNvCxnSpPr>
+          <p:nvPr/>
+        </p:nvCxnSpPr>
+        <p:spPr>
+          <a:xfrm>
+            <a:off x="6262806" y="2473424"/>
+            <a:ext cx="0" cy="462817"/>
+          </a:xfrm>
+          <a:prstGeom prst="straightConnector1">
+            <a:avLst/>
+          </a:prstGeom>
+          <a:ln>
+            <a:headEnd type="triangle"/>
+            <a:tailEnd type="triangle"/>
+          </a:ln>
+        </p:spPr>
+        <p:style>
+          <a:lnRef idx="1">
+            <a:schemeClr val="accent1"/>
+          </a:lnRef>
+          <a:fillRef idx="0">
+            <a:schemeClr val="accent1"/>
+          </a:fillRef>
+          <a:effectRef idx="0">
+            <a:schemeClr val="accent1"/>
+          </a:effectRef>
+          <a:fontRef idx="minor">
+            <a:schemeClr val="tx1"/>
+          </a:fontRef>
+        </p:style>
+      </p:cxnSp>
+      <p:sp>
+        <p:nvSpPr>
+          <p:cNvPr id="58" name="TextBox 57">
+            <a:extLst>
+              <a:ext uri="{FF2B5EF4-FFF2-40B4-BE49-F238E27FC236}">
+                <a16:creationId xmlns:a16="http://schemas.microsoft.com/office/drawing/2014/main" id="{D9B2E554-4717-514F-83E2-19343201CDAF}"/>
+              </a:ext>
+            </a:extLst>
+          </p:cNvPr>
+          <p:cNvSpPr txBox="1"/>
+          <p:nvPr/>
+        </p:nvSpPr>
+        <p:spPr>
+          <a:xfrm>
+            <a:off x="3664673" y="2711069"/>
+            <a:ext cx="524503" cy="261610"/>
+          </a:xfrm>
+          <a:prstGeom prst="rect">
+            <a:avLst/>
+          </a:prstGeom>
+          <a:noFill/>
+        </p:spPr>
+        <p:txBody>
+          <a:bodyPr wrap="none" rtlCol="0">
+            <a:spAutoFit/>
+          </a:bodyPr>
+          <a:lstStyle/>
+          <a:p>
+            <a:r>
+              <a:rPr lang="en-US" sz="1100">
+                <a:solidFill>
+                  <a:schemeClr val="accent1">
+                    <a:lumMod val="75000"/>
+                  </a:schemeClr>
+                </a:solidFill>
+                <a:latin typeface="Menlo" panose="020B0609030804020204" pitchFamily="49" charset="0"/>
+                <a:ea typeface="Menlo" panose="020B0609030804020204" pitchFamily="49" charset="0"/>
+                <a:cs typeface="Menlo" panose="020B0609030804020204" pitchFamily="49" charset="0"/>
+              </a:rPr>
+              <a:t>8548</a:t>
+            </a:r>
+          </a:p>
+        </p:txBody>
+      </p:sp>
+      <p:sp>
+        <p:nvSpPr>
+          <p:cNvPr id="59" name="TextBox 58">
+            <a:extLst>
+              <a:ext uri="{FF2B5EF4-FFF2-40B4-BE49-F238E27FC236}">
+                <a16:creationId xmlns:a16="http://schemas.microsoft.com/office/drawing/2014/main" id="{895230D4-C8AB-5346-8A04-2DC5533FDD62}"/>
+              </a:ext>
+            </a:extLst>
+          </p:cNvPr>
+          <p:cNvSpPr txBox="1"/>
+          <p:nvPr/>
+        </p:nvSpPr>
+        <p:spPr>
+          <a:xfrm>
+            <a:off x="4604955" y="2710973"/>
+            <a:ext cx="524503" cy="261610"/>
+          </a:xfrm>
+          <a:prstGeom prst="rect">
+            <a:avLst/>
+          </a:prstGeom>
+          <a:noFill/>
+        </p:spPr>
+        <p:txBody>
+          <a:bodyPr wrap="none" rtlCol="0">
+            <a:spAutoFit/>
+          </a:bodyPr>
+          <a:lstStyle/>
+          <a:p>
+            <a:r>
+              <a:rPr lang="en-US" sz="1100">
+                <a:solidFill>
+                  <a:schemeClr val="accent1">
+                    <a:lumMod val="75000"/>
+                  </a:schemeClr>
+                </a:solidFill>
+                <a:latin typeface="Menlo" panose="020B0609030804020204" pitchFamily="49" charset="0"/>
+                <a:ea typeface="Menlo" panose="020B0609030804020204" pitchFamily="49" charset="0"/>
+                <a:cs typeface="Menlo" panose="020B0609030804020204" pitchFamily="49" charset="0"/>
+              </a:rPr>
+              <a:t>8546</a:t>
+            </a:r>
+          </a:p>
+        </p:txBody>
+      </p:sp>
+      <p:sp>
+        <p:nvSpPr>
+          <p:cNvPr id="60" name="TextBox 59">
+            <a:extLst>
+              <a:ext uri="{FF2B5EF4-FFF2-40B4-BE49-F238E27FC236}">
+                <a16:creationId xmlns:a16="http://schemas.microsoft.com/office/drawing/2014/main" id="{6D51231D-A1BD-4944-AC97-EB35344659BC}"/>
+              </a:ext>
+            </a:extLst>
+          </p:cNvPr>
+          <p:cNvSpPr txBox="1"/>
+          <p:nvPr/>
+        </p:nvSpPr>
+        <p:spPr>
+          <a:xfrm>
+            <a:off x="5787999" y="2704831"/>
+            <a:ext cx="524503" cy="430887"/>
+          </a:xfrm>
+          <a:prstGeom prst="rect">
+            <a:avLst/>
+          </a:prstGeom>
+          <a:noFill/>
+        </p:spPr>
+        <p:txBody>
+          <a:bodyPr wrap="none" rtlCol="0">
+            <a:spAutoFit/>
+          </a:bodyPr>
+          <a:lstStyle/>
+          <a:p>
+            <a:r>
+              <a:rPr lang="en-US" sz="1100">
+                <a:solidFill>
+                  <a:schemeClr val="accent1">
+                    <a:lumMod val="75000"/>
+                  </a:schemeClr>
+                </a:solidFill>
+                <a:latin typeface="Menlo" panose="020B0609030804020204" pitchFamily="49" charset="0"/>
+                <a:ea typeface="Menlo" panose="020B0609030804020204" pitchFamily="49" charset="0"/>
+                <a:cs typeface="Menlo" panose="020B0609030804020204" pitchFamily="49" charset="0"/>
+              </a:rPr>
+              <a:t>8550</a:t>
+            </a:r>
+          </a:p>
+          <a:p>
+            <a:endParaRPr lang="en-US" sz="1100">
+              <a:solidFill>
+                <a:schemeClr val="accent1">
+                  <a:lumMod val="75000"/>
+                </a:schemeClr>
+              </a:solidFill>
+              <a:latin typeface="Menlo" panose="020B0609030804020204" pitchFamily="49" charset="0"/>
+              <a:ea typeface="Menlo" panose="020B0609030804020204" pitchFamily="49" charset="0"/>
+              <a:cs typeface="Menlo" panose="020B0609030804020204" pitchFamily="49" charset="0"/>
+            </a:endParaRPr>
+          </a:p>
+        </p:txBody>
+      </p:sp>
+      <p:sp>
+        <p:nvSpPr>
+          <p:cNvPr id="61" name="Rectangle 60">
+            <a:extLst>
+              <a:ext uri="{FF2B5EF4-FFF2-40B4-BE49-F238E27FC236}">
+                <a16:creationId xmlns:a16="http://schemas.microsoft.com/office/drawing/2014/main" id="{E9DE1BCE-1CFC-1441-96B8-215353ACF262}"/>
+              </a:ext>
+            </a:extLst>
+          </p:cNvPr>
+          <p:cNvSpPr/>
+          <p:nvPr/>
+        </p:nvSpPr>
+        <p:spPr>
+          <a:xfrm>
+            <a:off x="245878" y="2975385"/>
+            <a:ext cx="1128765" cy="1435235"/>
+          </a:xfrm>
+          <a:prstGeom prst="rect">
+            <a:avLst/>
+          </a:prstGeom>
+          <a:solidFill>
+            <a:schemeClr val="accent6">
+              <a:lumMod val="20000"/>
+              <a:lumOff val="80000"/>
+            </a:schemeClr>
+          </a:solidFill>
+          <a:ln>
+            <a:solidFill>
+              <a:schemeClr val="accent6">
+                <a:lumMod val="60000"/>
+                <a:lumOff val="40000"/>
+              </a:schemeClr>
+            </a:solidFill>
+          </a:ln>
+        </p:spPr>
+        <p:style>
+          <a:lnRef idx="2">
+            <a:schemeClr val="accent1">
+              <a:shade val="50000"/>
+            </a:schemeClr>
+          </a:lnRef>
+          <a:fillRef idx="1">
+            <a:schemeClr val="accent1"/>
+          </a:fillRef>
+          <a:effectRef idx="0">
+            <a:schemeClr val="accent1"/>
+          </a:effectRef>
+          <a:fontRef idx="minor">
+            <a:schemeClr val="lt1"/>
+          </a:fontRef>
+        </p:style>
+        <p:txBody>
+          <a:bodyPr rtlCol="0" anchor="ctr"/>
+          <a:lstStyle/>
+          <a:p>
+            <a:pPr algn="ctr"/>
+            <a:endParaRPr lang="en-US" sz="1000">
+              <a:solidFill>
+                <a:schemeClr val="accent1">
+                  <a:lumMod val="75000"/>
+                </a:schemeClr>
+              </a:solidFill>
+              <a:latin typeface="Menlo" panose="020B0609030804020204" pitchFamily="49" charset="0"/>
+              <a:ea typeface="Menlo" panose="020B0609030804020204" pitchFamily="49" charset="0"/>
+              <a:cs typeface="Menlo" panose="020B0609030804020204" pitchFamily="49" charset="0"/>
+            </a:endParaRPr>
+          </a:p>
+        </p:txBody>
+      </p:sp>
+      <p:sp>
+        <p:nvSpPr>
+          <p:cNvPr id="62" name="Rectangle 61">
+            <a:extLst>
+              <a:ext uri="{FF2B5EF4-FFF2-40B4-BE49-F238E27FC236}">
+                <a16:creationId xmlns:a16="http://schemas.microsoft.com/office/drawing/2014/main" id="{6B2BC080-CDFD-1C40-9018-2717D47E1571}"/>
+              </a:ext>
+            </a:extLst>
+          </p:cNvPr>
+          <p:cNvSpPr/>
+          <p:nvPr/>
+        </p:nvSpPr>
+        <p:spPr>
+          <a:xfrm>
+            <a:off x="701403" y="3723981"/>
+            <a:ext cx="673240" cy="329105"/>
+          </a:xfrm>
+          <a:prstGeom prst="rect">
+            <a:avLst/>
+          </a:prstGeom>
+          <a:noFill/>
+        </p:spPr>
+        <p:style>
+          <a:lnRef idx="2">
+            <a:schemeClr val="accent1">
+              <a:shade val="50000"/>
+            </a:schemeClr>
+          </a:lnRef>
+          <a:fillRef idx="1">
+            <a:schemeClr val="accent1"/>
+          </a:fillRef>
+          <a:effectRef idx="0">
+            <a:schemeClr val="accent1"/>
+          </a:effectRef>
+          <a:fontRef idx="minor">
+            <a:schemeClr val="lt1"/>
+          </a:fontRef>
+        </p:style>
+        <p:txBody>
+          <a:bodyPr rtlCol="0" anchor="ctr"/>
+          <a:lstStyle/>
+          <a:p>
+            <a:pPr algn="ctr"/>
+            <a:r>
+              <a:rPr lang="en-US" sz="1000">
+                <a:solidFill>
+                  <a:schemeClr val="accent1">
+                    <a:lumMod val="75000"/>
+                  </a:schemeClr>
+                </a:solidFill>
+                <a:latin typeface="Menlo" panose="020B0609030804020204" pitchFamily="49" charset="0"/>
+                <a:ea typeface="Menlo" panose="020B0609030804020204" pitchFamily="49" charset="0"/>
+                <a:cs typeface="Menlo" panose="020B0609030804020204" pitchFamily="49" charset="0"/>
+              </a:rPr>
+              <a:t>TN3270</a:t>
+            </a:r>
+          </a:p>
+        </p:txBody>
+      </p:sp>
+      <p:sp>
+        <p:nvSpPr>
+          <p:cNvPr id="63" name="Rectangle 62">
+            <a:extLst>
+              <a:ext uri="{FF2B5EF4-FFF2-40B4-BE49-F238E27FC236}">
+                <a16:creationId xmlns:a16="http://schemas.microsoft.com/office/drawing/2014/main" id="{656EF613-5B84-354E-925D-A378D66F1CF1}"/>
+              </a:ext>
+            </a:extLst>
+          </p:cNvPr>
+          <p:cNvSpPr/>
+          <p:nvPr/>
+        </p:nvSpPr>
+        <p:spPr>
+          <a:xfrm>
+            <a:off x="701403" y="4045075"/>
+            <a:ext cx="673240" cy="329105"/>
+          </a:xfrm>
+          <a:prstGeom prst="rect">
+            <a:avLst/>
+          </a:prstGeom>
+          <a:noFill/>
+        </p:spPr>
+        <p:style>
+          <a:lnRef idx="2">
+            <a:schemeClr val="accent1">
+              <a:shade val="50000"/>
+            </a:schemeClr>
+          </a:lnRef>
+          <a:fillRef idx="1">
+            <a:schemeClr val="accent1"/>
+          </a:fillRef>
+          <a:effectRef idx="0">
+            <a:schemeClr val="accent1"/>
+          </a:effectRef>
+          <a:fontRef idx="minor">
+            <a:schemeClr val="lt1"/>
+          </a:fontRef>
+        </p:style>
+        <p:txBody>
+          <a:bodyPr rtlCol="0" anchor="ctr"/>
+          <a:lstStyle/>
+          <a:p>
+            <a:pPr algn="ctr"/>
+            <a:r>
+              <a:rPr lang="en-US" sz="1000">
+                <a:solidFill>
+                  <a:schemeClr val="accent1">
+                    <a:lumMod val="75000"/>
+                  </a:schemeClr>
+                </a:solidFill>
+                <a:latin typeface="Menlo" panose="020B0609030804020204" pitchFamily="49" charset="0"/>
+                <a:ea typeface="Menlo" panose="020B0609030804020204" pitchFamily="49" charset="0"/>
+                <a:cs typeface="Menlo" panose="020B0609030804020204" pitchFamily="49" charset="0"/>
+              </a:rPr>
+              <a:t>VT</a:t>
+            </a:r>
+          </a:p>
+        </p:txBody>
+      </p:sp>
+      <p:sp>
+        <p:nvSpPr>
+          <p:cNvPr id="64" name="Rectangle 63">
+            <a:extLst>
+              <a:ext uri="{FF2B5EF4-FFF2-40B4-BE49-F238E27FC236}">
+                <a16:creationId xmlns:a16="http://schemas.microsoft.com/office/drawing/2014/main" id="{B7ADD677-D2DA-7F4A-AC17-74AA3E9225A1}"/>
+              </a:ext>
+            </a:extLst>
+          </p:cNvPr>
+          <p:cNvSpPr/>
+          <p:nvPr/>
+        </p:nvSpPr>
+        <p:spPr>
+          <a:xfrm>
+            <a:off x="245879" y="2975387"/>
+            <a:ext cx="1128765" cy="492369"/>
+          </a:xfrm>
+          <a:prstGeom prst="rect">
+            <a:avLst/>
+          </a:prstGeom>
+          <a:noFill/>
+        </p:spPr>
+        <p:style>
+          <a:lnRef idx="2">
+            <a:schemeClr val="accent1">
+              <a:shade val="50000"/>
+            </a:schemeClr>
+          </a:lnRef>
+          <a:fillRef idx="1">
+            <a:schemeClr val="accent1"/>
+          </a:fillRef>
+          <a:effectRef idx="0">
+            <a:schemeClr val="accent1"/>
+          </a:effectRef>
+          <a:fontRef idx="minor">
+            <a:schemeClr val="lt1"/>
+          </a:fontRef>
+        </p:style>
+        <p:txBody>
+          <a:bodyPr rtlCol="0" anchor="ctr"/>
+          <a:lstStyle/>
+          <a:p>
+            <a:pPr algn="ctr"/>
+            <a:r>
+              <a:rPr lang="en-US" sz="1000" dirty="0" err="1">
+                <a:solidFill>
+                  <a:schemeClr val="accent1">
+                    <a:lumMod val="75000"/>
+                  </a:schemeClr>
+                </a:solidFill>
+                <a:latin typeface="Menlo" panose="020B0609030804020204" pitchFamily="49" charset="0"/>
+                <a:ea typeface="Menlo" panose="020B0609030804020204" pitchFamily="49" charset="0"/>
+                <a:cs typeface="Menlo" panose="020B0609030804020204" pitchFamily="49" charset="0"/>
+              </a:rPr>
+              <a:t>Zowe</a:t>
+            </a:r>
+            <a:r>
+              <a:rPr lang="en-US" sz="1000" dirty="0">
+                <a:solidFill>
+                  <a:schemeClr val="accent1">
+                    <a:lumMod val="75000"/>
+                  </a:schemeClr>
+                </a:solidFill>
+                <a:latin typeface="Menlo" panose="020B0609030804020204" pitchFamily="49" charset="0"/>
+                <a:ea typeface="Menlo" panose="020B0609030804020204" pitchFamily="49" charset="0"/>
+                <a:cs typeface="Menlo" panose="020B0609030804020204" pitchFamily="49" charset="0"/>
+              </a:rPr>
+              <a:t> Application Framework</a:t>
+            </a:r>
+          </a:p>
+        </p:txBody>
+      </p:sp>
+      <p:sp>
+        <p:nvSpPr>
+          <p:cNvPr id="65" name="TextBox 64">
+            <a:extLst>
+              <a:ext uri="{FF2B5EF4-FFF2-40B4-BE49-F238E27FC236}">
+                <a16:creationId xmlns:a16="http://schemas.microsoft.com/office/drawing/2014/main" id="{5812FD3A-B0DF-7746-BD53-0047BF61959E}"/>
+              </a:ext>
+            </a:extLst>
+          </p:cNvPr>
+          <p:cNvSpPr txBox="1"/>
+          <p:nvPr/>
+        </p:nvSpPr>
+        <p:spPr>
+          <a:xfrm>
+            <a:off x="324208" y="2713775"/>
+            <a:ext cx="524503" cy="261610"/>
+          </a:xfrm>
+          <a:prstGeom prst="rect">
+            <a:avLst/>
+          </a:prstGeom>
+          <a:noFill/>
+        </p:spPr>
+        <p:txBody>
+          <a:bodyPr wrap="none" rtlCol="0">
+            <a:spAutoFit/>
+          </a:bodyPr>
+          <a:lstStyle/>
+          <a:p>
+            <a:r>
+              <a:rPr lang="en-US" sz="1100">
+                <a:solidFill>
+                  <a:schemeClr val="accent1">
+                    <a:lumMod val="75000"/>
+                  </a:schemeClr>
+                </a:solidFill>
+                <a:latin typeface="Menlo" panose="020B0609030804020204" pitchFamily="49" charset="0"/>
+                <a:ea typeface="Menlo" panose="020B0609030804020204" pitchFamily="49" charset="0"/>
+                <a:cs typeface="Menlo" panose="020B0609030804020204" pitchFamily="49" charset="0"/>
+              </a:rPr>
+              <a:t>8544</a:t>
+            </a:r>
+          </a:p>
+        </p:txBody>
+      </p:sp>
+      <p:sp>
+        <p:nvSpPr>
+          <p:cNvPr id="66" name="Rectangle 65">
+            <a:extLst>
+              <a:ext uri="{FF2B5EF4-FFF2-40B4-BE49-F238E27FC236}">
+                <a16:creationId xmlns:a16="http://schemas.microsoft.com/office/drawing/2014/main" id="{E70C2438-F7B1-AA4F-85F2-E8948FBA6F32}"/>
+              </a:ext>
+            </a:extLst>
+          </p:cNvPr>
+          <p:cNvSpPr/>
+          <p:nvPr/>
+        </p:nvSpPr>
+        <p:spPr>
+          <a:xfrm>
+            <a:off x="245876" y="4919355"/>
+            <a:ext cx="1128765" cy="276391"/>
+          </a:xfrm>
+          <a:prstGeom prst="rect">
+            <a:avLst/>
+          </a:prstGeom>
+          <a:solidFill>
+            <a:srgbClr val="F3A4FF"/>
+          </a:solidFill>
+        </p:spPr>
+        <p:style>
+          <a:lnRef idx="2">
+            <a:schemeClr val="accent1">
+              <a:shade val="50000"/>
+            </a:schemeClr>
+          </a:lnRef>
+          <a:fillRef idx="1">
+            <a:schemeClr val="accent1"/>
+          </a:fillRef>
+          <a:effectRef idx="0">
+            <a:schemeClr val="accent1"/>
+          </a:effectRef>
+          <a:fontRef idx="minor">
+            <a:schemeClr val="lt1"/>
+          </a:fontRef>
+        </p:style>
+        <p:txBody>
+          <a:bodyPr rtlCol="0" anchor="ctr"/>
+          <a:lstStyle/>
+          <a:p>
+            <a:pPr algn="ctr"/>
+            <a:r>
+              <a:rPr lang="en-US" sz="1000" dirty="0">
+                <a:solidFill>
+                  <a:schemeClr val="accent1">
+                    <a:lumMod val="75000"/>
+                  </a:schemeClr>
+                </a:solidFill>
+                <a:latin typeface="Menlo" panose="020B0609030804020204" pitchFamily="49" charset="0"/>
+                <a:ea typeface="Menlo" panose="020B0609030804020204" pitchFamily="49" charset="0"/>
+                <a:cs typeface="Menlo" panose="020B0609030804020204" pitchFamily="49" charset="0"/>
+              </a:rPr>
+              <a:t>zssServer</a:t>
+            </a:r>
+          </a:p>
+        </p:txBody>
+      </p:sp>
+      <p:cxnSp>
+        <p:nvCxnSpPr>
+          <p:cNvPr id="67" name="Straight Arrow Connector 66">
+            <a:extLst>
+              <a:ext uri="{FF2B5EF4-FFF2-40B4-BE49-F238E27FC236}">
+                <a16:creationId xmlns:a16="http://schemas.microsoft.com/office/drawing/2014/main" id="{14C9C9C0-A1B2-754A-8AC7-11549460EE6B}"/>
+              </a:ext>
+            </a:extLst>
+          </p:cNvPr>
+          <p:cNvCxnSpPr>
+            <a:cxnSpLocks/>
+          </p:cNvCxnSpPr>
+          <p:nvPr/>
+        </p:nvCxnSpPr>
+        <p:spPr>
+          <a:xfrm>
+            <a:off x="784425" y="4420559"/>
+            <a:ext cx="0" cy="462817"/>
+          </a:xfrm>
+          <a:prstGeom prst="straightConnector1">
+            <a:avLst/>
+          </a:prstGeom>
+          <a:ln>
+            <a:prstDash val="dash"/>
+            <a:headEnd type="triangle"/>
+            <a:tailEnd type="triangle"/>
+          </a:ln>
+        </p:spPr>
+        <p:style>
+          <a:lnRef idx="1">
+            <a:schemeClr val="accent1"/>
+          </a:lnRef>
+          <a:fillRef idx="0">
+            <a:schemeClr val="accent1"/>
+          </a:fillRef>
+          <a:effectRef idx="0">
+            <a:schemeClr val="accent1"/>
+          </a:effectRef>
+          <a:fontRef idx="minor">
+            <a:schemeClr val="tx1"/>
+          </a:fontRef>
+        </p:style>
+      </p:cxnSp>
+      <p:sp>
+        <p:nvSpPr>
+          <p:cNvPr id="68" name="TextBox 67">
+            <a:extLst>
+              <a:ext uri="{FF2B5EF4-FFF2-40B4-BE49-F238E27FC236}">
+                <a16:creationId xmlns:a16="http://schemas.microsoft.com/office/drawing/2014/main" id="{AB4D9C28-D784-F04E-A506-95C735B37F48}"/>
+              </a:ext>
+            </a:extLst>
+          </p:cNvPr>
+          <p:cNvSpPr txBox="1"/>
+          <p:nvPr/>
+        </p:nvSpPr>
+        <p:spPr>
+          <a:xfrm>
+            <a:off x="289754" y="4621304"/>
+            <a:ext cx="524503" cy="261610"/>
+          </a:xfrm>
+          <a:prstGeom prst="rect">
+            <a:avLst/>
+          </a:prstGeom>
+          <a:noFill/>
+        </p:spPr>
+        <p:txBody>
+          <a:bodyPr wrap="none" rtlCol="0">
+            <a:spAutoFit/>
+          </a:bodyPr>
+          <a:lstStyle/>
+          <a:p>
+            <a:r>
+              <a:rPr lang="en-US" sz="1100">
+                <a:solidFill>
+                  <a:schemeClr val="accent1">
+                    <a:lumMod val="75000"/>
+                  </a:schemeClr>
+                </a:solidFill>
+                <a:latin typeface="Menlo" panose="020B0609030804020204" pitchFamily="49" charset="0"/>
+                <a:ea typeface="Menlo" panose="020B0609030804020204" pitchFamily="49" charset="0"/>
+                <a:cs typeface="Menlo" panose="020B0609030804020204" pitchFamily="49" charset="0"/>
+              </a:rPr>
+              <a:t>8542</a:t>
+            </a:r>
+          </a:p>
+        </p:txBody>
+      </p:sp>
+      <p:sp>
+        <p:nvSpPr>
+          <p:cNvPr id="69" name="Rectangle 68">
+            <a:extLst>
+              <a:ext uri="{FF2B5EF4-FFF2-40B4-BE49-F238E27FC236}">
+                <a16:creationId xmlns:a16="http://schemas.microsoft.com/office/drawing/2014/main" id="{F31D35DC-3E8F-BA43-878A-435AAA2C67B2}"/>
+              </a:ext>
+            </a:extLst>
+          </p:cNvPr>
+          <p:cNvSpPr/>
+          <p:nvPr/>
+        </p:nvSpPr>
+        <p:spPr>
+          <a:xfrm>
+            <a:off x="220042" y="6334513"/>
+            <a:ext cx="1128765" cy="276391"/>
+          </a:xfrm>
+          <a:prstGeom prst="rect">
+            <a:avLst/>
+          </a:prstGeom>
+          <a:solidFill>
+            <a:srgbClr val="F3A4FF"/>
+          </a:solidFill>
+        </p:spPr>
+        <p:style>
+          <a:lnRef idx="2">
+            <a:schemeClr val="accent1">
+              <a:shade val="50000"/>
+            </a:schemeClr>
+          </a:lnRef>
+          <a:fillRef idx="1">
+            <a:schemeClr val="accent1"/>
+          </a:fillRef>
+          <a:effectRef idx="0">
+            <a:schemeClr val="accent1"/>
+          </a:effectRef>
+          <a:fontRef idx="minor">
+            <a:schemeClr val="lt1"/>
+          </a:fontRef>
+        </p:style>
+        <p:txBody>
+          <a:bodyPr rtlCol="0" anchor="ctr"/>
+          <a:lstStyle/>
+          <a:p>
+            <a:pPr algn="ctr"/>
+            <a:r>
+              <a:rPr lang="en-US" sz="1000">
+                <a:solidFill>
+                  <a:schemeClr val="accent1">
+                    <a:lumMod val="75000"/>
+                  </a:schemeClr>
+                </a:solidFill>
+                <a:latin typeface="Menlo" panose="020B0609030804020204" pitchFamily="49" charset="0"/>
+                <a:ea typeface="Menlo" panose="020B0609030804020204" pitchFamily="49" charset="0"/>
+                <a:cs typeface="Menlo" panose="020B0609030804020204" pitchFamily="49" charset="0"/>
+              </a:rPr>
+              <a:t>ZWESIS01</a:t>
+            </a:r>
+          </a:p>
+        </p:txBody>
+      </p:sp>
+      <p:sp>
+        <p:nvSpPr>
+          <p:cNvPr id="73" name="TextBox 72">
+            <a:extLst>
+              <a:ext uri="{FF2B5EF4-FFF2-40B4-BE49-F238E27FC236}">
+                <a16:creationId xmlns:a16="http://schemas.microsoft.com/office/drawing/2014/main" id="{30F200DC-F6DD-1040-B383-4FD5972148F5}"/>
+              </a:ext>
+            </a:extLst>
+          </p:cNvPr>
+          <p:cNvSpPr txBox="1"/>
+          <p:nvPr/>
+        </p:nvSpPr>
+        <p:spPr>
+          <a:xfrm>
+            <a:off x="213415" y="6032517"/>
+            <a:ext cx="609462" cy="261610"/>
+          </a:xfrm>
+          <a:prstGeom prst="rect">
+            <a:avLst/>
+          </a:prstGeom>
+          <a:noFill/>
+        </p:spPr>
+        <p:txBody>
+          <a:bodyPr wrap="none" rtlCol="0">
+            <a:spAutoFit/>
+          </a:bodyPr>
+          <a:lstStyle/>
+          <a:p>
+            <a:r>
+              <a:rPr lang="en-US" sz="1100">
+                <a:solidFill>
+                  <a:schemeClr val="accent1">
+                    <a:lumMod val="75000"/>
+                  </a:schemeClr>
+                </a:solidFill>
+                <a:latin typeface="Menlo" panose="020B0609030804020204" pitchFamily="49" charset="0"/>
+                <a:ea typeface="Menlo" panose="020B0609030804020204" pitchFamily="49" charset="0"/>
+                <a:cs typeface="Menlo" panose="020B0609030804020204" pitchFamily="49" charset="0"/>
+              </a:rPr>
+              <a:t>X-MEM</a:t>
+            </a:r>
+          </a:p>
+        </p:txBody>
+      </p:sp>
+      <p:sp>
+        <p:nvSpPr>
+          <p:cNvPr id="74" name="Rectangle 73">
+            <a:extLst>
+              <a:ext uri="{FF2B5EF4-FFF2-40B4-BE49-F238E27FC236}">
+                <a16:creationId xmlns:a16="http://schemas.microsoft.com/office/drawing/2014/main" id="{E407C455-D8CE-5944-91A4-CE85F241ACE2}"/>
+              </a:ext>
+            </a:extLst>
+          </p:cNvPr>
+          <p:cNvSpPr/>
+          <p:nvPr/>
+        </p:nvSpPr>
+        <p:spPr>
+          <a:xfrm>
+            <a:off x="6261792" y="5567612"/>
+            <a:ext cx="1586963" cy="281391"/>
+          </a:xfrm>
+          <a:prstGeom prst="rect">
+            <a:avLst/>
+          </a:prstGeom>
+          <a:noFill/>
+        </p:spPr>
+        <p:style>
+          <a:lnRef idx="2">
+            <a:schemeClr val="accent1">
+              <a:shade val="50000"/>
+            </a:schemeClr>
+          </a:lnRef>
+          <a:fillRef idx="1">
+            <a:schemeClr val="accent1"/>
+          </a:fillRef>
+          <a:effectRef idx="0">
+            <a:schemeClr val="accent1"/>
+          </a:effectRef>
+          <a:fontRef idx="minor">
+            <a:schemeClr val="lt1"/>
+          </a:fontRef>
+        </p:style>
+        <p:txBody>
+          <a:bodyPr rtlCol="0" anchor="ctr"/>
+          <a:lstStyle/>
+          <a:p>
+            <a:pPr algn="ctr"/>
+            <a:r>
+              <a:rPr lang="en-US" sz="1000">
+                <a:solidFill>
+                  <a:schemeClr val="accent1">
+                    <a:lumMod val="75000"/>
+                  </a:schemeClr>
+                </a:solidFill>
+                <a:latin typeface="Menlo" panose="020B0609030804020204" pitchFamily="49" charset="0"/>
+                <a:ea typeface="Menlo" panose="020B0609030804020204" pitchFamily="49" charset="0"/>
+                <a:cs typeface="Menlo" panose="020B0609030804020204" pitchFamily="49" charset="0"/>
+              </a:rPr>
+              <a:t>z/OSMF</a:t>
+            </a:r>
+          </a:p>
+        </p:txBody>
+      </p:sp>
+      <p:sp>
+        <p:nvSpPr>
+          <p:cNvPr id="53" name="Rectangle 52">
+            <a:extLst>
+              <a:ext uri="{FF2B5EF4-FFF2-40B4-BE49-F238E27FC236}">
+                <a16:creationId xmlns:a16="http://schemas.microsoft.com/office/drawing/2014/main" id="{3F06A9EE-10D3-3A4C-A679-0EA5B22E7C64}"/>
+              </a:ext>
+            </a:extLst>
+          </p:cNvPr>
+          <p:cNvSpPr/>
+          <p:nvPr/>
+        </p:nvSpPr>
+        <p:spPr>
+          <a:xfrm>
+            <a:off x="126925" y="1663428"/>
+            <a:ext cx="1763721" cy="818942"/>
+          </a:xfrm>
+          <a:prstGeom prst="rect">
+            <a:avLst/>
+          </a:prstGeom>
+          <a:solidFill>
+            <a:schemeClr val="accent4">
+              <a:lumMod val="20000"/>
+              <a:lumOff val="80000"/>
+              <a:alpha val="25000"/>
+            </a:schemeClr>
+          </a:solidFill>
+          <a:ln>
+            <a:prstDash val="dash"/>
+          </a:ln>
+        </p:spPr>
+        <p:style>
+          <a:lnRef idx="2">
+            <a:schemeClr val="accent1">
+              <a:shade val="50000"/>
+            </a:schemeClr>
+          </a:lnRef>
+          <a:fillRef idx="1">
+            <a:schemeClr val="accent1"/>
+          </a:fillRef>
+          <a:effectRef idx="0">
+            <a:schemeClr val="accent1"/>
+          </a:effectRef>
+          <a:fontRef idx="minor">
+            <a:schemeClr val="lt1"/>
+          </a:fontRef>
+        </p:style>
+        <p:txBody>
+          <a:bodyPr rtlCol="0" anchor="ctr"/>
+          <a:lstStyle/>
+          <a:p>
+            <a:pPr algn="ctr"/>
+            <a:r>
+              <a:rPr lang="en-US" sz="1000" dirty="0">
+                <a:solidFill>
+                  <a:schemeClr val="accent1">
+                    <a:lumMod val="75000"/>
+                  </a:schemeClr>
+                </a:solidFill>
+                <a:latin typeface="Menlo" panose="020B0609030804020204" pitchFamily="49" charset="0"/>
+                <a:ea typeface="Menlo" panose="020B0609030804020204" pitchFamily="49" charset="0"/>
+                <a:cs typeface="Menlo" panose="020B0609030804020204" pitchFamily="49" charset="0"/>
+              </a:rPr>
+              <a:t>Optional</a:t>
+            </a:r>
+          </a:p>
+          <a:p>
+            <a:pPr algn="ctr"/>
+            <a:endParaRPr lang="en-US" sz="1000" dirty="0">
+              <a:solidFill>
+                <a:schemeClr val="accent1">
+                  <a:lumMod val="75000"/>
+                </a:schemeClr>
+              </a:solidFill>
+              <a:latin typeface="Menlo" panose="020B0609030804020204" pitchFamily="49" charset="0"/>
+              <a:ea typeface="Menlo" panose="020B0609030804020204" pitchFamily="49" charset="0"/>
+              <a:cs typeface="Menlo" panose="020B0609030804020204" pitchFamily="49" charset="0"/>
+            </a:endParaRPr>
+          </a:p>
+          <a:p>
+            <a:pPr algn="ctr"/>
+            <a:endParaRPr lang="en-US" sz="1000" dirty="0">
+              <a:solidFill>
+                <a:schemeClr val="accent1">
+                  <a:lumMod val="75000"/>
+                </a:schemeClr>
+              </a:solidFill>
+              <a:latin typeface="Menlo" panose="020B0609030804020204" pitchFamily="49" charset="0"/>
+              <a:ea typeface="Menlo" panose="020B0609030804020204" pitchFamily="49" charset="0"/>
+              <a:cs typeface="Menlo" panose="020B0609030804020204" pitchFamily="49" charset="0"/>
+            </a:endParaRPr>
+          </a:p>
+          <a:p>
+            <a:pPr algn="ctr"/>
+            <a:endParaRPr lang="en-US" sz="1000" dirty="0">
+              <a:solidFill>
+                <a:schemeClr val="accent1">
+                  <a:lumMod val="75000"/>
+                </a:schemeClr>
+              </a:solidFill>
+              <a:latin typeface="Menlo" panose="020B0609030804020204" pitchFamily="49" charset="0"/>
+              <a:ea typeface="Menlo" panose="020B0609030804020204" pitchFamily="49" charset="0"/>
+              <a:cs typeface="Menlo" panose="020B0609030804020204" pitchFamily="49" charset="0"/>
+            </a:endParaRPr>
+          </a:p>
+        </p:txBody>
+      </p:sp>
+      <p:sp>
+        <p:nvSpPr>
+          <p:cNvPr id="75" name="Rectangle 74">
+            <a:extLst>
+              <a:ext uri="{FF2B5EF4-FFF2-40B4-BE49-F238E27FC236}">
+                <a16:creationId xmlns:a16="http://schemas.microsoft.com/office/drawing/2014/main" id="{0888EDE4-E73F-5C40-9A6E-643A985DA5FA}"/>
+              </a:ext>
+            </a:extLst>
+          </p:cNvPr>
+          <p:cNvSpPr/>
+          <p:nvPr/>
+        </p:nvSpPr>
+        <p:spPr>
+          <a:xfrm>
+            <a:off x="6261330" y="5849002"/>
+            <a:ext cx="1587425" cy="983005"/>
+          </a:xfrm>
+          <a:prstGeom prst="rect">
+            <a:avLst/>
+          </a:prstGeom>
+          <a:noFill/>
+        </p:spPr>
+        <p:style>
+          <a:lnRef idx="2">
+            <a:schemeClr val="accent1">
+              <a:shade val="50000"/>
+            </a:schemeClr>
+          </a:lnRef>
+          <a:fillRef idx="1">
+            <a:schemeClr val="accent1"/>
+          </a:fillRef>
+          <a:effectRef idx="0">
+            <a:schemeClr val="accent1"/>
+          </a:effectRef>
+          <a:fontRef idx="minor">
+            <a:schemeClr val="lt1"/>
+          </a:fontRef>
+        </p:style>
+        <p:txBody>
+          <a:bodyPr rtlCol="0" anchor="ctr"/>
+          <a:lstStyle/>
+          <a:p>
+            <a:pPr algn="ctr"/>
+            <a:r>
+              <a:rPr lang="en-US" sz="1000" b="1">
+                <a:solidFill>
+                  <a:schemeClr val="accent1">
+                    <a:lumMod val="75000"/>
+                  </a:schemeClr>
+                </a:solidFill>
+                <a:latin typeface="Menlo" panose="020B0609030804020204" pitchFamily="49" charset="0"/>
+                <a:ea typeface="Menlo" panose="020B0609030804020204" pitchFamily="49" charset="0"/>
+                <a:cs typeface="Menlo" panose="020B0609030804020204" pitchFamily="49" charset="0"/>
+              </a:rPr>
+              <a:t>REST APIs</a:t>
+            </a:r>
+          </a:p>
+          <a:p>
+            <a:r>
+              <a:rPr lang="en-US" sz="1067">
+                <a:solidFill>
+                  <a:schemeClr val="accent1">
+                    <a:lumMod val="75000"/>
+                  </a:schemeClr>
+                </a:solidFill>
+                <a:latin typeface="Menlo" panose="020B0609030804020204" pitchFamily="49" charset="0"/>
+                <a:ea typeface="Menlo" panose="020B0609030804020204" pitchFamily="49" charset="0"/>
+                <a:cs typeface="Menlo" panose="020B0609030804020204" pitchFamily="49" charset="0"/>
+              </a:rPr>
+              <a:t>Workflows</a:t>
+            </a:r>
+          </a:p>
+          <a:p>
+            <a:r>
+              <a:rPr lang="en-US" sz="1067">
+                <a:solidFill>
+                  <a:schemeClr val="accent1">
+                    <a:lumMod val="75000"/>
+                  </a:schemeClr>
+                </a:solidFill>
+                <a:latin typeface="Menlo" panose="020B0609030804020204" pitchFamily="49" charset="0"/>
+                <a:ea typeface="Menlo" panose="020B0609030804020204" pitchFamily="49" charset="0"/>
+                <a:cs typeface="Menlo" panose="020B0609030804020204" pitchFamily="49" charset="0"/>
+              </a:rPr>
+              <a:t>TSO Commands</a:t>
+            </a:r>
+          </a:p>
+          <a:p>
+            <a:r>
+              <a:rPr lang="en-US" sz="1067">
+                <a:solidFill>
+                  <a:schemeClr val="accent1">
+                    <a:lumMod val="75000"/>
+                  </a:schemeClr>
+                </a:solidFill>
+                <a:latin typeface="Menlo" panose="020B0609030804020204" pitchFamily="49" charset="0"/>
+                <a:ea typeface="Menlo" panose="020B0609030804020204" pitchFamily="49" charset="0"/>
+                <a:cs typeface="Menlo" panose="020B0609030804020204" pitchFamily="49" charset="0"/>
+              </a:rPr>
+              <a:t>MVS Commands</a:t>
+            </a:r>
+          </a:p>
+          <a:p>
+            <a:r>
+              <a:rPr lang="en-US" sz="1067">
+                <a:solidFill>
+                  <a:schemeClr val="accent1">
+                    <a:lumMod val="75000"/>
+                  </a:schemeClr>
+                </a:solidFill>
+                <a:latin typeface="Menlo" panose="020B0609030804020204" pitchFamily="49" charset="0"/>
+                <a:ea typeface="Menlo" panose="020B0609030804020204" pitchFamily="49" charset="0"/>
+                <a:cs typeface="Menlo" panose="020B0609030804020204" pitchFamily="49" charset="0"/>
+              </a:rPr>
+              <a:t>Files, USS, JES</a:t>
+            </a:r>
+          </a:p>
+        </p:txBody>
+      </p:sp>
+      <p:sp>
+        <p:nvSpPr>
+          <p:cNvPr id="76" name="TextBox 75">
+            <a:extLst>
+              <a:ext uri="{FF2B5EF4-FFF2-40B4-BE49-F238E27FC236}">
+                <a16:creationId xmlns:a16="http://schemas.microsoft.com/office/drawing/2014/main" id="{9AFB5CBE-D9AB-1D46-89B6-FD697A720E44}"/>
+              </a:ext>
+            </a:extLst>
+          </p:cNvPr>
+          <p:cNvSpPr txBox="1"/>
+          <p:nvPr/>
+        </p:nvSpPr>
+        <p:spPr>
+          <a:xfrm>
+            <a:off x="6261330" y="5357568"/>
+            <a:ext cx="524503" cy="261610"/>
+          </a:xfrm>
+          <a:prstGeom prst="rect">
+            <a:avLst/>
+          </a:prstGeom>
+          <a:noFill/>
+        </p:spPr>
+        <p:txBody>
+          <a:bodyPr wrap="none" rtlCol="0">
+            <a:spAutoFit/>
+          </a:bodyPr>
+          <a:lstStyle/>
+          <a:p>
+            <a:r>
+              <a:rPr lang="en-US" sz="1100" dirty="0">
+                <a:solidFill>
+                  <a:schemeClr val="accent1">
+                    <a:lumMod val="75000"/>
+                  </a:schemeClr>
+                </a:solidFill>
+                <a:latin typeface="Menlo" panose="020B0609030804020204" pitchFamily="49" charset="0"/>
+                <a:ea typeface="Menlo" panose="020B0609030804020204" pitchFamily="49" charset="0"/>
+                <a:cs typeface="Menlo" panose="020B0609030804020204" pitchFamily="49" charset="0"/>
+              </a:rPr>
+              <a:t>7443</a:t>
+            </a:r>
+          </a:p>
+        </p:txBody>
+      </p:sp>
+      <p:cxnSp>
+        <p:nvCxnSpPr>
+          <p:cNvPr id="99" name="Straight Arrow Connector 98">
+            <a:extLst>
+              <a:ext uri="{FF2B5EF4-FFF2-40B4-BE49-F238E27FC236}">
+                <a16:creationId xmlns:a16="http://schemas.microsoft.com/office/drawing/2014/main" id="{4B42528F-1505-AD4C-9BDE-78737EA3D84D}"/>
+              </a:ext>
+            </a:extLst>
+          </p:cNvPr>
+          <p:cNvCxnSpPr>
+            <a:cxnSpLocks/>
+          </p:cNvCxnSpPr>
+          <p:nvPr/>
+        </p:nvCxnSpPr>
+        <p:spPr>
+          <a:xfrm>
+            <a:off x="6737048" y="2470696"/>
+            <a:ext cx="0" cy="3096916"/>
+          </a:xfrm>
+          <a:prstGeom prst="straightConnector1">
+            <a:avLst/>
+          </a:prstGeom>
+          <a:ln>
+            <a:headEnd type="triangle"/>
+            <a:tailEnd type="triangle"/>
+          </a:ln>
+        </p:spPr>
+        <p:style>
+          <a:lnRef idx="1">
+            <a:schemeClr val="accent1"/>
+          </a:lnRef>
+          <a:fillRef idx="0">
+            <a:schemeClr val="accent1"/>
+          </a:fillRef>
+          <a:effectRef idx="0">
+            <a:schemeClr val="accent1"/>
+          </a:effectRef>
+          <a:fontRef idx="minor">
+            <a:schemeClr val="tx1"/>
+          </a:fontRef>
+        </p:style>
+      </p:cxnSp>
+      <p:sp>
+        <p:nvSpPr>
+          <p:cNvPr id="44" name="TextBox 43">
+            <a:extLst>
+              <a:ext uri="{FF2B5EF4-FFF2-40B4-BE49-F238E27FC236}">
+                <a16:creationId xmlns:a16="http://schemas.microsoft.com/office/drawing/2014/main" id="{5AD30A28-F630-9E41-98B0-135638908344}"/>
+              </a:ext>
+            </a:extLst>
+          </p:cNvPr>
+          <p:cNvSpPr txBox="1"/>
+          <p:nvPr/>
+        </p:nvSpPr>
+        <p:spPr>
+          <a:xfrm>
+            <a:off x="1391208" y="4098684"/>
+            <a:ext cx="665567" cy="369332"/>
+          </a:xfrm>
+          <a:prstGeom prst="rect">
+            <a:avLst/>
+          </a:prstGeom>
+          <a:noFill/>
+        </p:spPr>
+        <p:txBody>
+          <a:bodyPr wrap="none" rtlCol="0">
+            <a:spAutoFit/>
+          </a:bodyPr>
+          <a:lstStyle/>
+          <a:p>
+            <a:r>
+              <a:rPr lang="en-US" dirty="0">
+                <a:solidFill>
+                  <a:schemeClr val="accent1">
+                    <a:lumMod val="75000"/>
+                  </a:schemeClr>
+                </a:solidFill>
+              </a:rPr>
+              <a:t>node</a:t>
+            </a:r>
+          </a:p>
+        </p:txBody>
+      </p:sp>
+      <p:sp>
+        <p:nvSpPr>
+          <p:cNvPr id="118" name="TextBox 117">
+            <a:extLst>
+              <a:ext uri="{FF2B5EF4-FFF2-40B4-BE49-F238E27FC236}">
+                <a16:creationId xmlns:a16="http://schemas.microsoft.com/office/drawing/2014/main" id="{441AA412-E83B-4342-90AD-5803F84BB144}"/>
+              </a:ext>
+            </a:extLst>
+          </p:cNvPr>
+          <p:cNvSpPr txBox="1"/>
+          <p:nvPr/>
+        </p:nvSpPr>
+        <p:spPr>
+          <a:xfrm>
+            <a:off x="1411675" y="4880666"/>
+            <a:ext cx="1216167" cy="369332"/>
+          </a:xfrm>
+          <a:prstGeom prst="rect">
+            <a:avLst/>
+          </a:prstGeom>
+          <a:noFill/>
+        </p:spPr>
+        <p:txBody>
+          <a:bodyPr wrap="none" rtlCol="0">
+            <a:spAutoFit/>
+          </a:bodyPr>
+          <a:lstStyle/>
+          <a:p>
+            <a:r>
+              <a:rPr lang="en-US">
+                <a:solidFill>
+                  <a:schemeClr val="accent1">
+                    <a:lumMod val="75000"/>
+                  </a:schemeClr>
+                </a:solidFill>
+              </a:rPr>
+              <a:t>C / metal C</a:t>
+            </a:r>
+          </a:p>
+        </p:txBody>
+      </p:sp>
+      <p:cxnSp>
+        <p:nvCxnSpPr>
+          <p:cNvPr id="119" name="Straight Arrow Connector 118">
+            <a:extLst>
+              <a:ext uri="{FF2B5EF4-FFF2-40B4-BE49-F238E27FC236}">
+                <a16:creationId xmlns:a16="http://schemas.microsoft.com/office/drawing/2014/main" id="{1F8E9A04-A8E5-9C44-8C46-7640590D4782}"/>
+              </a:ext>
+            </a:extLst>
+          </p:cNvPr>
+          <p:cNvCxnSpPr>
+            <a:cxnSpLocks/>
+          </p:cNvCxnSpPr>
+          <p:nvPr/>
+        </p:nvCxnSpPr>
+        <p:spPr>
+          <a:xfrm>
+            <a:off x="345491" y="908593"/>
+            <a:ext cx="0" cy="2072210"/>
+          </a:xfrm>
+          <a:prstGeom prst="straightConnector1">
+            <a:avLst/>
+          </a:prstGeom>
+          <a:ln>
+            <a:headEnd type="triangle"/>
+            <a:tailEnd type="triangle"/>
+          </a:ln>
+        </p:spPr>
+        <p:style>
+          <a:lnRef idx="1">
+            <a:schemeClr val="accent1"/>
+          </a:lnRef>
+          <a:fillRef idx="0">
+            <a:schemeClr val="accent1"/>
+          </a:fillRef>
+          <a:effectRef idx="0">
+            <a:schemeClr val="accent1"/>
+          </a:effectRef>
+          <a:fontRef idx="minor">
+            <a:schemeClr val="tx1"/>
+          </a:fontRef>
+        </p:style>
+      </p:cxnSp>
+      <p:cxnSp>
+        <p:nvCxnSpPr>
+          <p:cNvPr id="97" name="Straight Arrow Connector 96">
+            <a:extLst>
+              <a:ext uri="{FF2B5EF4-FFF2-40B4-BE49-F238E27FC236}">
+                <a16:creationId xmlns:a16="http://schemas.microsoft.com/office/drawing/2014/main" id="{4AF54394-2FA9-3D4D-9623-29CF990C6E29}"/>
+              </a:ext>
+            </a:extLst>
+          </p:cNvPr>
+          <p:cNvCxnSpPr>
+            <a:cxnSpLocks/>
+          </p:cNvCxnSpPr>
+          <p:nvPr/>
+        </p:nvCxnSpPr>
+        <p:spPr>
+          <a:xfrm flipH="1">
+            <a:off x="4237989" y="3226227"/>
+            <a:ext cx="168817" cy="0"/>
+          </a:xfrm>
+          <a:prstGeom prst="straightConnector1">
+            <a:avLst/>
+          </a:prstGeom>
+          <a:ln>
+            <a:headEnd type="triangle"/>
+            <a:tailEnd type="none"/>
+          </a:ln>
+        </p:spPr>
+        <p:style>
+          <a:lnRef idx="1">
+            <a:schemeClr val="accent1"/>
+          </a:lnRef>
+          <a:fillRef idx="0">
+            <a:schemeClr val="accent1"/>
+          </a:fillRef>
+          <a:effectRef idx="0">
+            <a:schemeClr val="accent1"/>
+          </a:effectRef>
+          <a:fontRef idx="minor">
+            <a:schemeClr val="tx1"/>
+          </a:fontRef>
+        </p:style>
+      </p:cxnSp>
+      <p:cxnSp>
+        <p:nvCxnSpPr>
+          <p:cNvPr id="103" name="Straight Arrow Connector 102">
+            <a:extLst>
+              <a:ext uri="{FF2B5EF4-FFF2-40B4-BE49-F238E27FC236}">
+                <a16:creationId xmlns:a16="http://schemas.microsoft.com/office/drawing/2014/main" id="{9DC184B9-B0E0-9D4A-A656-3A4D7E987DEB}"/>
+              </a:ext>
+            </a:extLst>
+          </p:cNvPr>
+          <p:cNvCxnSpPr>
+            <a:cxnSpLocks/>
+          </p:cNvCxnSpPr>
+          <p:nvPr/>
+        </p:nvCxnSpPr>
+        <p:spPr>
+          <a:xfrm flipH="1">
+            <a:off x="5199545" y="3215789"/>
+            <a:ext cx="180935" cy="0"/>
+          </a:xfrm>
+          <a:prstGeom prst="straightConnector1">
+            <a:avLst/>
+          </a:prstGeom>
+          <a:ln>
+            <a:headEnd type="triangle"/>
+            <a:tailEnd type="none"/>
+          </a:ln>
+        </p:spPr>
+        <p:style>
+          <a:lnRef idx="1">
+            <a:schemeClr val="accent1"/>
+          </a:lnRef>
+          <a:fillRef idx="0">
+            <a:schemeClr val="accent1"/>
+          </a:fillRef>
+          <a:effectRef idx="0">
+            <a:schemeClr val="accent1"/>
+          </a:effectRef>
+          <a:fontRef idx="minor">
+            <a:schemeClr val="tx1"/>
+          </a:fontRef>
+        </p:style>
+      </p:cxnSp>
+      <p:cxnSp>
+        <p:nvCxnSpPr>
+          <p:cNvPr id="106" name="Straight Arrow Connector 105">
+            <a:extLst>
+              <a:ext uri="{FF2B5EF4-FFF2-40B4-BE49-F238E27FC236}">
+                <a16:creationId xmlns:a16="http://schemas.microsoft.com/office/drawing/2014/main" id="{C4351E49-38F8-924C-BAB4-473EE8B58DAB}"/>
+              </a:ext>
+            </a:extLst>
+          </p:cNvPr>
+          <p:cNvCxnSpPr>
+            <a:cxnSpLocks/>
+          </p:cNvCxnSpPr>
+          <p:nvPr/>
+        </p:nvCxnSpPr>
+        <p:spPr>
+          <a:xfrm flipH="1" flipV="1">
+            <a:off x="6467120" y="3194843"/>
+            <a:ext cx="231163" cy="3861"/>
+          </a:xfrm>
+          <a:prstGeom prst="straightConnector1">
+            <a:avLst/>
+          </a:prstGeom>
+          <a:ln>
+            <a:headEnd type="triangle"/>
+            <a:tailEnd type="none"/>
+          </a:ln>
+        </p:spPr>
+        <p:style>
+          <a:lnRef idx="1">
+            <a:schemeClr val="accent1"/>
+          </a:lnRef>
+          <a:fillRef idx="0">
+            <a:schemeClr val="accent1"/>
+          </a:fillRef>
+          <a:effectRef idx="0">
+            <a:schemeClr val="accent1"/>
+          </a:effectRef>
+          <a:fontRef idx="minor">
+            <a:schemeClr val="tx1"/>
+          </a:fontRef>
+        </p:style>
+      </p:cxnSp>
+      <p:sp>
+        <p:nvSpPr>
+          <p:cNvPr id="109" name="TextBox 108">
+            <a:extLst>
+              <a:ext uri="{FF2B5EF4-FFF2-40B4-BE49-F238E27FC236}">
+                <a16:creationId xmlns:a16="http://schemas.microsoft.com/office/drawing/2014/main" id="{FF1BA2F7-9235-9344-A1DF-C8A3564E8E4B}"/>
+              </a:ext>
+            </a:extLst>
+          </p:cNvPr>
+          <p:cNvSpPr txBox="1"/>
+          <p:nvPr/>
+        </p:nvSpPr>
+        <p:spPr>
+          <a:xfrm>
+            <a:off x="3768146" y="4225954"/>
+            <a:ext cx="557332" cy="369332"/>
+          </a:xfrm>
+          <a:prstGeom prst="rect">
+            <a:avLst/>
+          </a:prstGeom>
+          <a:noFill/>
+        </p:spPr>
+        <p:txBody>
+          <a:bodyPr wrap="none" rtlCol="0">
+            <a:spAutoFit/>
+          </a:bodyPr>
+          <a:lstStyle/>
+          <a:p>
+            <a:r>
+              <a:rPr lang="en-US" dirty="0">
+                <a:solidFill>
+                  <a:schemeClr val="accent1">
+                    <a:lumMod val="75000"/>
+                  </a:schemeClr>
+                </a:solidFill>
+              </a:rPr>
+              <a:t>java</a:t>
+            </a:r>
+          </a:p>
+        </p:txBody>
+      </p:sp>
+      <p:sp>
+        <p:nvSpPr>
+          <p:cNvPr id="23" name="TextBox 22">
+            <a:extLst>
+              <a:ext uri="{FF2B5EF4-FFF2-40B4-BE49-F238E27FC236}">
+                <a16:creationId xmlns:a16="http://schemas.microsoft.com/office/drawing/2014/main" id="{A2679857-B8A1-784E-A284-EE7E2EDC3082}"/>
+              </a:ext>
+            </a:extLst>
+          </p:cNvPr>
+          <p:cNvSpPr txBox="1"/>
+          <p:nvPr/>
+        </p:nvSpPr>
+        <p:spPr>
+          <a:xfrm>
+            <a:off x="8391339" y="1436914"/>
+            <a:ext cx="1114985" cy="369332"/>
+          </a:xfrm>
+          <a:prstGeom prst="rect">
+            <a:avLst/>
+          </a:prstGeom>
+          <a:solidFill>
+            <a:schemeClr val="tx1"/>
+          </a:solidFill>
+        </p:spPr>
+        <p:txBody>
+          <a:bodyPr wrap="none" rtlCol="0">
+            <a:spAutoFit/>
+          </a:bodyPr>
+          <a:lstStyle/>
+          <a:p>
+            <a:r>
+              <a:rPr lang="en-US" dirty="0">
+                <a:solidFill>
+                  <a:schemeClr val="accent1">
+                    <a:lumMod val="75000"/>
+                  </a:schemeClr>
+                </a:solidFill>
+              </a:rPr>
+              <a:t>ZOWESVR</a:t>
+            </a:r>
+          </a:p>
+        </p:txBody>
+      </p:sp>
+      <p:sp>
+        <p:nvSpPr>
+          <p:cNvPr id="113" name="TextBox 112">
+            <a:extLst>
+              <a:ext uri="{FF2B5EF4-FFF2-40B4-BE49-F238E27FC236}">
+                <a16:creationId xmlns:a16="http://schemas.microsoft.com/office/drawing/2014/main" id="{AF94EB22-F59E-CD4C-990A-799E0DB4123E}"/>
+              </a:ext>
+            </a:extLst>
+          </p:cNvPr>
+          <p:cNvSpPr txBox="1"/>
+          <p:nvPr/>
+        </p:nvSpPr>
+        <p:spPr>
+          <a:xfrm>
+            <a:off x="1567162" y="6288042"/>
+            <a:ext cx="1109791" cy="369332"/>
+          </a:xfrm>
+          <a:prstGeom prst="rect">
+            <a:avLst/>
+          </a:prstGeom>
+          <a:solidFill>
+            <a:schemeClr val="tx1"/>
+          </a:solidFill>
+        </p:spPr>
+        <p:txBody>
+          <a:bodyPr wrap="none" rtlCol="0">
+            <a:spAutoFit/>
+          </a:bodyPr>
+          <a:lstStyle/>
+          <a:p>
+            <a:r>
+              <a:rPr lang="en-US" dirty="0">
+                <a:solidFill>
+                  <a:schemeClr val="accent1">
+                    <a:lumMod val="75000"/>
+                  </a:schemeClr>
+                </a:solidFill>
+              </a:rPr>
+              <a:t>ZWESIS01</a:t>
+            </a:r>
+          </a:p>
+        </p:txBody>
+      </p:sp>
+      <p:sp>
+        <p:nvSpPr>
+          <p:cNvPr id="120" name="TextBox 119">
+            <a:extLst>
+              <a:ext uri="{FF2B5EF4-FFF2-40B4-BE49-F238E27FC236}">
+                <a16:creationId xmlns:a16="http://schemas.microsoft.com/office/drawing/2014/main" id="{67134A89-BB3D-254F-9DB5-D6BBB6B49A70}"/>
+              </a:ext>
+            </a:extLst>
+          </p:cNvPr>
+          <p:cNvSpPr txBox="1"/>
+          <p:nvPr/>
+        </p:nvSpPr>
+        <p:spPr>
+          <a:xfrm>
+            <a:off x="8391339" y="6268553"/>
+            <a:ext cx="1114985" cy="369332"/>
+          </a:xfrm>
+          <a:prstGeom prst="rect">
+            <a:avLst/>
+          </a:prstGeom>
+          <a:solidFill>
+            <a:schemeClr val="tx1"/>
+          </a:solidFill>
+        </p:spPr>
+        <p:txBody>
+          <a:bodyPr wrap="square" rtlCol="0">
+            <a:spAutoFit/>
+          </a:bodyPr>
+          <a:lstStyle/>
+          <a:p>
+            <a:r>
+              <a:rPr lang="en-US" dirty="0">
+                <a:solidFill>
+                  <a:schemeClr val="accent1">
+                    <a:lumMod val="75000"/>
+                  </a:schemeClr>
+                </a:solidFill>
+              </a:rPr>
+              <a:t>IZUSVR</a:t>
+            </a:r>
+          </a:p>
+        </p:txBody>
+      </p:sp>
+      <p:sp>
+        <p:nvSpPr>
+          <p:cNvPr id="24" name="TextBox 23">
+            <a:extLst>
+              <a:ext uri="{FF2B5EF4-FFF2-40B4-BE49-F238E27FC236}">
+                <a16:creationId xmlns:a16="http://schemas.microsoft.com/office/drawing/2014/main" id="{27FABAFB-1E7F-D34E-B6EA-B2272A13F252}"/>
+              </a:ext>
+            </a:extLst>
+          </p:cNvPr>
+          <p:cNvSpPr txBox="1"/>
+          <p:nvPr/>
+        </p:nvSpPr>
+        <p:spPr>
+          <a:xfrm>
+            <a:off x="111424" y="378193"/>
+            <a:ext cx="2820900" cy="369332"/>
+          </a:xfrm>
+          <a:prstGeom prst="rect">
+            <a:avLst/>
+          </a:prstGeom>
+          <a:noFill/>
+        </p:spPr>
+        <p:txBody>
+          <a:bodyPr wrap="none" rtlCol="0">
+            <a:spAutoFit/>
+          </a:bodyPr>
+          <a:lstStyle/>
+          <a:p>
+            <a:r>
+              <a:rPr lang="en-US" dirty="0" err="1">
+                <a:solidFill>
+                  <a:schemeClr val="accent1">
+                    <a:lumMod val="75000"/>
+                  </a:schemeClr>
+                </a:solidFill>
+              </a:rPr>
+              <a:t>Zowe</a:t>
+            </a:r>
+            <a:r>
+              <a:rPr lang="en-US" dirty="0">
+                <a:solidFill>
+                  <a:schemeClr val="accent1">
+                    <a:lumMod val="75000"/>
+                  </a:schemeClr>
+                </a:solidFill>
+              </a:rPr>
+              <a:t> Web Browser Desktop</a:t>
+            </a:r>
+          </a:p>
+        </p:txBody>
+      </p:sp>
+      <p:sp>
+        <p:nvSpPr>
+          <p:cNvPr id="122" name="Rectangle 121">
+            <a:extLst>
+              <a:ext uri="{FF2B5EF4-FFF2-40B4-BE49-F238E27FC236}">
+                <a16:creationId xmlns:a16="http://schemas.microsoft.com/office/drawing/2014/main" id="{2F98E9EF-D106-0D45-939A-91524CF089F0}"/>
+              </a:ext>
+            </a:extLst>
+          </p:cNvPr>
+          <p:cNvSpPr/>
+          <p:nvPr/>
+        </p:nvSpPr>
+        <p:spPr>
+          <a:xfrm>
+            <a:off x="126925" y="5949406"/>
+            <a:ext cx="1284750" cy="882273"/>
+          </a:xfrm>
+          <a:prstGeom prst="rect">
+            <a:avLst/>
+          </a:prstGeom>
+          <a:solidFill>
+            <a:schemeClr val="bg2">
+              <a:alpha val="40000"/>
+            </a:schemeClr>
+          </a:solidFill>
+        </p:spPr>
+        <p:style>
+          <a:lnRef idx="2">
+            <a:schemeClr val="accent1">
+              <a:shade val="50000"/>
+            </a:schemeClr>
+          </a:lnRef>
+          <a:fillRef idx="1">
+            <a:schemeClr val="accent1"/>
+          </a:fillRef>
+          <a:effectRef idx="0">
+            <a:schemeClr val="accent1"/>
+          </a:effectRef>
+          <a:fontRef idx="minor">
+            <a:schemeClr val="lt1"/>
+          </a:fontRef>
+        </p:style>
+        <p:txBody>
+          <a:bodyPr rtlCol="0" anchor="ctr"/>
+          <a:lstStyle/>
+          <a:p>
+            <a:pPr algn="ctr"/>
+            <a:endParaRPr lang="en-US">
+              <a:solidFill>
+                <a:schemeClr val="accent1">
+                  <a:lumMod val="75000"/>
+                </a:schemeClr>
+              </a:solidFill>
+            </a:endParaRPr>
+          </a:p>
+        </p:txBody>
+      </p:sp>
+      <p:sp>
+        <p:nvSpPr>
+          <p:cNvPr id="125" name="TextBox 124">
+            <a:extLst>
+              <a:ext uri="{FF2B5EF4-FFF2-40B4-BE49-F238E27FC236}">
+                <a16:creationId xmlns:a16="http://schemas.microsoft.com/office/drawing/2014/main" id="{14FB2416-3AA2-074E-AABB-D79B16CD20FA}"/>
+              </a:ext>
+            </a:extLst>
+          </p:cNvPr>
+          <p:cNvSpPr txBox="1"/>
+          <p:nvPr/>
+        </p:nvSpPr>
+        <p:spPr>
+          <a:xfrm>
+            <a:off x="3799688" y="375067"/>
+            <a:ext cx="5035225" cy="369332"/>
+          </a:xfrm>
+          <a:prstGeom prst="rect">
+            <a:avLst/>
+          </a:prstGeom>
+          <a:noFill/>
+        </p:spPr>
+        <p:txBody>
+          <a:bodyPr wrap="none" rtlCol="0">
+            <a:spAutoFit/>
+          </a:bodyPr>
+          <a:lstStyle/>
+          <a:p>
+            <a:r>
+              <a:rPr lang="en-US" dirty="0" err="1">
+                <a:solidFill>
+                  <a:schemeClr val="accent1">
+                    <a:lumMod val="75000"/>
+                  </a:schemeClr>
+                </a:solidFill>
+              </a:rPr>
+              <a:t>Zowe</a:t>
+            </a:r>
+            <a:r>
+              <a:rPr lang="en-US" dirty="0">
+                <a:solidFill>
+                  <a:schemeClr val="accent1">
+                    <a:lumMod val="75000"/>
+                  </a:schemeClr>
+                </a:solidFill>
+              </a:rPr>
+              <a:t> API Catalog and Explorers Web Browser Client</a:t>
+            </a:r>
+          </a:p>
+        </p:txBody>
+      </p:sp>
+      <p:sp>
+        <p:nvSpPr>
+          <p:cNvPr id="26" name="Up-down Arrow 25">
+            <a:extLst>
+              <a:ext uri="{FF2B5EF4-FFF2-40B4-BE49-F238E27FC236}">
+                <a16:creationId xmlns:a16="http://schemas.microsoft.com/office/drawing/2014/main" id="{42495AB1-5A57-2F46-BB73-E386376EC80C}"/>
+              </a:ext>
+            </a:extLst>
+          </p:cNvPr>
+          <p:cNvSpPr/>
+          <p:nvPr/>
+        </p:nvSpPr>
+        <p:spPr>
+          <a:xfrm>
+            <a:off x="758273" y="5230241"/>
+            <a:ext cx="151094" cy="1038311"/>
+          </a:xfrm>
+          <a:prstGeom prst="upDownArrow">
+            <a:avLst/>
+          </a:prstGeom>
+          <a:pattFill prst="openDmnd">
+            <a:fgClr>
+              <a:schemeClr val="accent1"/>
+            </a:fgClr>
+            <a:bgClr>
+              <a:schemeClr val="bg1"/>
+            </a:bgClr>
+          </a:pattFill>
+        </p:spPr>
+        <p:style>
+          <a:lnRef idx="2">
+            <a:schemeClr val="accent1">
+              <a:shade val="50000"/>
+            </a:schemeClr>
+          </a:lnRef>
+          <a:fillRef idx="1">
+            <a:schemeClr val="accent1"/>
+          </a:fillRef>
+          <a:effectRef idx="0">
+            <a:schemeClr val="accent1"/>
+          </a:effectRef>
+          <a:fontRef idx="minor">
+            <a:schemeClr val="lt1"/>
+          </a:fontRef>
+        </p:style>
+        <p:txBody>
+          <a:bodyPr rtlCol="0" anchor="ctr"/>
+          <a:lstStyle/>
+          <a:p>
+            <a:pPr algn="ctr"/>
+            <a:endParaRPr lang="en-US"/>
+          </a:p>
+        </p:txBody>
+      </p:sp>
+      <p:sp>
+        <p:nvSpPr>
+          <p:cNvPr id="127" name="TextBox 126">
+            <a:extLst>
+              <a:ext uri="{FF2B5EF4-FFF2-40B4-BE49-F238E27FC236}">
+                <a16:creationId xmlns:a16="http://schemas.microsoft.com/office/drawing/2014/main" id="{07291B7A-6EAB-6A46-9EFC-BEE379C9D0C6}"/>
+              </a:ext>
+            </a:extLst>
+          </p:cNvPr>
+          <p:cNvSpPr txBox="1"/>
+          <p:nvPr/>
+        </p:nvSpPr>
+        <p:spPr>
+          <a:xfrm>
+            <a:off x="11076957" y="3198704"/>
+            <a:ext cx="907493" cy="369332"/>
+          </a:xfrm>
+          <a:prstGeom prst="rect">
+            <a:avLst/>
+          </a:prstGeom>
+          <a:noFill/>
+        </p:spPr>
+        <p:txBody>
+          <a:bodyPr wrap="none" rtlCol="0">
+            <a:spAutoFit/>
+          </a:bodyPr>
+          <a:lstStyle/>
+          <a:p>
+            <a:r>
+              <a:rPr lang="en-US" dirty="0">
+                <a:solidFill>
+                  <a:schemeClr val="accent1">
+                    <a:lumMod val="75000"/>
+                  </a:schemeClr>
+                </a:solidFill>
+              </a:rPr>
+              <a:t>https://</a:t>
+            </a:r>
+          </a:p>
+        </p:txBody>
+      </p:sp>
+      <p:cxnSp>
+        <p:nvCxnSpPr>
+          <p:cNvPr id="128" name="Straight Arrow Connector 127">
+            <a:extLst>
+              <a:ext uri="{FF2B5EF4-FFF2-40B4-BE49-F238E27FC236}">
+                <a16:creationId xmlns:a16="http://schemas.microsoft.com/office/drawing/2014/main" id="{9F2BABEF-542C-314D-A346-E9C9E884AAA3}"/>
+              </a:ext>
+            </a:extLst>
+          </p:cNvPr>
+          <p:cNvCxnSpPr>
+            <a:cxnSpLocks/>
+          </p:cNvCxnSpPr>
+          <p:nvPr/>
+        </p:nvCxnSpPr>
+        <p:spPr>
+          <a:xfrm flipH="1" flipV="1">
+            <a:off x="10344123" y="3406023"/>
+            <a:ext cx="469369" cy="3860"/>
+          </a:xfrm>
+          <a:prstGeom prst="straightConnector1">
+            <a:avLst/>
+          </a:prstGeom>
+          <a:ln>
+            <a:headEnd type="triangle"/>
+            <a:tailEnd type="none"/>
+          </a:ln>
+        </p:spPr>
+        <p:style>
+          <a:lnRef idx="1">
+            <a:schemeClr val="accent1"/>
+          </a:lnRef>
+          <a:fillRef idx="0">
+            <a:schemeClr val="accent1"/>
+          </a:fillRef>
+          <a:effectRef idx="0">
+            <a:schemeClr val="accent1"/>
+          </a:effectRef>
+          <a:fontRef idx="minor">
+            <a:schemeClr val="tx1"/>
+          </a:fontRef>
+        </p:style>
+      </p:cxnSp>
+      <p:cxnSp>
+        <p:nvCxnSpPr>
+          <p:cNvPr id="129" name="Straight Arrow Connector 128">
+            <a:extLst>
+              <a:ext uri="{FF2B5EF4-FFF2-40B4-BE49-F238E27FC236}">
+                <a16:creationId xmlns:a16="http://schemas.microsoft.com/office/drawing/2014/main" id="{74A4DAF7-59AB-DD46-8EB0-76393C4E940D}"/>
+              </a:ext>
+            </a:extLst>
+          </p:cNvPr>
+          <p:cNvCxnSpPr>
+            <a:cxnSpLocks/>
+          </p:cNvCxnSpPr>
+          <p:nvPr/>
+        </p:nvCxnSpPr>
+        <p:spPr>
+          <a:xfrm>
+            <a:off x="10354673" y="3699487"/>
+            <a:ext cx="458819" cy="0"/>
+          </a:xfrm>
+          <a:prstGeom prst="straightConnector1">
+            <a:avLst/>
+          </a:prstGeom>
+          <a:ln>
+            <a:prstDash val="dash"/>
+            <a:headEnd type="triangle"/>
+            <a:tailEnd type="triangle"/>
+          </a:ln>
+        </p:spPr>
+        <p:style>
+          <a:lnRef idx="1">
+            <a:schemeClr val="accent1"/>
+          </a:lnRef>
+          <a:fillRef idx="0">
+            <a:schemeClr val="accent1"/>
+          </a:fillRef>
+          <a:effectRef idx="0">
+            <a:schemeClr val="accent1"/>
+          </a:effectRef>
+          <a:fontRef idx="minor">
+            <a:schemeClr val="tx1"/>
+          </a:fontRef>
+        </p:style>
+      </p:cxnSp>
+      <p:sp>
+        <p:nvSpPr>
+          <p:cNvPr id="130" name="TextBox 129">
+            <a:extLst>
+              <a:ext uri="{FF2B5EF4-FFF2-40B4-BE49-F238E27FC236}">
+                <a16:creationId xmlns:a16="http://schemas.microsoft.com/office/drawing/2014/main" id="{2AA4AB4A-C969-CA4C-8DB5-081039413510}"/>
+              </a:ext>
+            </a:extLst>
+          </p:cNvPr>
+          <p:cNvSpPr txBox="1"/>
+          <p:nvPr/>
+        </p:nvSpPr>
+        <p:spPr>
+          <a:xfrm>
+            <a:off x="11073370" y="3519201"/>
+            <a:ext cx="818879" cy="369332"/>
+          </a:xfrm>
+          <a:prstGeom prst="rect">
+            <a:avLst/>
+          </a:prstGeom>
+          <a:noFill/>
+        </p:spPr>
+        <p:txBody>
+          <a:bodyPr wrap="none" rtlCol="0">
+            <a:spAutoFit/>
+          </a:bodyPr>
+          <a:lstStyle/>
+          <a:p>
+            <a:r>
+              <a:rPr lang="en-US" dirty="0">
+                <a:solidFill>
+                  <a:schemeClr val="accent1">
+                    <a:lumMod val="75000"/>
+                  </a:schemeClr>
+                </a:solidFill>
+              </a:rPr>
+              <a:t>http://</a:t>
+            </a:r>
+          </a:p>
+        </p:txBody>
+      </p:sp>
+      <p:sp>
+        <p:nvSpPr>
+          <p:cNvPr id="131" name="Up-down Arrow 130">
+            <a:extLst>
+              <a:ext uri="{FF2B5EF4-FFF2-40B4-BE49-F238E27FC236}">
+                <a16:creationId xmlns:a16="http://schemas.microsoft.com/office/drawing/2014/main" id="{6B8BED5E-80ED-D445-843C-C953BE27B069}"/>
+              </a:ext>
+            </a:extLst>
+          </p:cNvPr>
+          <p:cNvSpPr/>
+          <p:nvPr/>
+        </p:nvSpPr>
+        <p:spPr>
+          <a:xfrm rot="16200000">
+            <a:off x="10539815" y="3780663"/>
+            <a:ext cx="121300" cy="491582"/>
+          </a:xfrm>
+          <a:prstGeom prst="upDownArrow">
+            <a:avLst/>
+          </a:prstGeom>
+          <a:pattFill prst="openDmnd">
+            <a:fgClr>
+              <a:schemeClr val="accent1"/>
+            </a:fgClr>
+            <a:bgClr>
+              <a:schemeClr val="bg1"/>
+            </a:bgClr>
+          </a:pattFill>
+        </p:spPr>
+        <p:style>
+          <a:lnRef idx="2">
+            <a:schemeClr val="accent1">
+              <a:shade val="50000"/>
+            </a:schemeClr>
+          </a:lnRef>
+          <a:fillRef idx="1">
+            <a:schemeClr val="accent1"/>
+          </a:fillRef>
+          <a:effectRef idx="0">
+            <a:schemeClr val="accent1"/>
+          </a:effectRef>
+          <a:fontRef idx="minor">
+            <a:schemeClr val="lt1"/>
+          </a:fontRef>
+        </p:style>
+        <p:txBody>
+          <a:bodyPr rtlCol="0" anchor="ctr"/>
+          <a:lstStyle/>
+          <a:p>
+            <a:pPr algn="ctr"/>
+            <a:endParaRPr lang="en-US"/>
+          </a:p>
+        </p:txBody>
+      </p:sp>
+      <p:sp>
+        <p:nvSpPr>
+          <p:cNvPr id="132" name="TextBox 131">
+            <a:extLst>
+              <a:ext uri="{FF2B5EF4-FFF2-40B4-BE49-F238E27FC236}">
+                <a16:creationId xmlns:a16="http://schemas.microsoft.com/office/drawing/2014/main" id="{22EBD3B9-C5E0-3C4C-A3CD-DD8121338DCB}"/>
+              </a:ext>
+            </a:extLst>
+          </p:cNvPr>
+          <p:cNvSpPr txBox="1"/>
+          <p:nvPr/>
+        </p:nvSpPr>
+        <p:spPr>
+          <a:xfrm>
+            <a:off x="11073369" y="3834488"/>
+            <a:ext cx="872868" cy="369332"/>
+          </a:xfrm>
+          <a:prstGeom prst="rect">
+            <a:avLst/>
+          </a:prstGeom>
+          <a:noFill/>
+        </p:spPr>
+        <p:txBody>
+          <a:bodyPr wrap="none" rtlCol="0">
+            <a:spAutoFit/>
+          </a:bodyPr>
+          <a:lstStyle/>
+          <a:p>
+            <a:r>
+              <a:rPr lang="en-US" dirty="0">
+                <a:solidFill>
+                  <a:schemeClr val="accent1">
+                    <a:lumMod val="75000"/>
+                  </a:schemeClr>
+                </a:solidFill>
+              </a:rPr>
+              <a:t>X-MEM</a:t>
+            </a:r>
+          </a:p>
+        </p:txBody>
+      </p:sp>
+      <p:sp>
+        <p:nvSpPr>
+          <p:cNvPr id="36" name="TextBox 35">
+            <a:extLst>
+              <a:ext uri="{FF2B5EF4-FFF2-40B4-BE49-F238E27FC236}">
+                <a16:creationId xmlns:a16="http://schemas.microsoft.com/office/drawing/2014/main" id="{E8AA9C8B-DA32-2C47-8B45-AD2C66D868BB}"/>
+              </a:ext>
+            </a:extLst>
+          </p:cNvPr>
+          <p:cNvSpPr txBox="1"/>
+          <p:nvPr/>
+        </p:nvSpPr>
+        <p:spPr>
+          <a:xfrm>
+            <a:off x="10272319" y="2597578"/>
+            <a:ext cx="1673022" cy="646331"/>
+          </a:xfrm>
+          <a:prstGeom prst="rect">
+            <a:avLst/>
+          </a:prstGeom>
+          <a:noFill/>
+        </p:spPr>
+        <p:txBody>
+          <a:bodyPr wrap="none" rtlCol="0">
+            <a:spAutoFit/>
+          </a:bodyPr>
+          <a:lstStyle/>
+          <a:p>
+            <a:r>
+              <a:rPr lang="en-US" dirty="0"/>
+              <a:t>Communication</a:t>
+            </a:r>
+          </a:p>
+          <a:p>
+            <a:r>
+              <a:rPr lang="en-US" dirty="0"/>
+              <a:t>Protocol</a:t>
+            </a:r>
+          </a:p>
+        </p:txBody>
+      </p:sp>
+      <p:cxnSp>
+        <p:nvCxnSpPr>
+          <p:cNvPr id="78" name="Straight Connector 77">
+            <a:extLst>
+              <a:ext uri="{FF2B5EF4-FFF2-40B4-BE49-F238E27FC236}">
+                <a16:creationId xmlns:a16="http://schemas.microsoft.com/office/drawing/2014/main" id="{506A037C-B41F-F542-8E9E-89E49A1E6D52}"/>
+              </a:ext>
+            </a:extLst>
+          </p:cNvPr>
+          <p:cNvCxnSpPr/>
+          <p:nvPr/>
+        </p:nvCxnSpPr>
+        <p:spPr>
+          <a:xfrm>
+            <a:off x="10272319" y="3191370"/>
+            <a:ext cx="1828637" cy="0"/>
+          </a:xfrm>
+          <a:prstGeom prst="line">
+            <a:avLst/>
+          </a:prstGeom>
+        </p:spPr>
+        <p:style>
+          <a:lnRef idx="1">
+            <a:schemeClr val="accent1"/>
+          </a:lnRef>
+          <a:fillRef idx="0">
+            <a:schemeClr val="accent1"/>
+          </a:fillRef>
+          <a:effectRef idx="0">
+            <a:schemeClr val="accent1"/>
+          </a:effectRef>
+          <a:fontRef idx="minor">
+            <a:schemeClr val="tx1"/>
+          </a:fontRef>
+        </p:style>
+      </p:cxnSp>
+    </p:spTree>
+    <p:extLst>
+      <p:ext uri="{BB962C8B-B14F-4D97-AF65-F5344CB8AC3E}">
+        <p14:creationId xmlns:p14="http://schemas.microsoft.com/office/powerpoint/2010/main" val="521672334"/>
+      </p:ext>
+    </p:extLst>
+  </p:cSld>
+  <p:clrMapOvr>
+    <a:masterClrMapping/>
+  </p:clrMapOvr>
+  <mc:AlternateContent xmlns:mc="http://schemas.openxmlformats.org/markup-compatibility/2006" xmlns:p14="http://schemas.microsoft.com/office/powerpoint/2010/main">
+    <mc:Choice Requires="p14">
+      <p:transition spd="med" p14:dur="700">
+        <p:fade/>
+      </p:transition>
+    </mc:Choice>
+    <mc:Fallback xmlns="">
+      <p:transition spd="med">
+        <p:fade/>
+      </p:transition>
+    </mc:Fallback>
+  </mc:AlternateContent>
+</p:sld>
+</file>
+
+<file path=ppt/slides/slide3.xml><?xml version="1.0" encoding="utf-8"?>
+<p:sld xmlns:a="http://schemas.openxmlformats.org/drawingml/2006/main" xmlns:r="http://schemas.openxmlformats.org/officeDocument/2006/relationships" xmlns:p="http://schemas.openxmlformats.org/presentationml/2006/main">
+  <p:cSld>
+    <p:spTree>
+      <p:nvGrpSpPr>
+        <p:cNvPr id="1" name=""/>
+        <p:cNvGrpSpPr/>
+        <p:nvPr/>
+      </p:nvGrpSpPr>
+      <p:grpSpPr>
+        <a:xfrm>
+          <a:off x="0" y="0"/>
+          <a:ext cx="0" cy="0"/>
+          <a:chOff x="0" y="0"/>
+          <a:chExt cx="0" cy="0"/>
+        </a:xfrm>
+      </p:grpSpPr>
+      <p:sp>
+        <p:nvSpPr>
+          <p:cNvPr id="4" name="TextBox 3">
+            <a:extLst>
+              <a:ext uri="{FF2B5EF4-FFF2-40B4-BE49-F238E27FC236}">
+                <a16:creationId xmlns:a16="http://schemas.microsoft.com/office/drawing/2014/main" id="{6728A031-62CC-164A-A2B6-5FDFF68B0EDF}"/>
+              </a:ext>
+            </a:extLst>
+          </p:cNvPr>
+          <p:cNvSpPr txBox="1"/>
+          <p:nvPr/>
+        </p:nvSpPr>
+        <p:spPr>
+          <a:xfrm>
+            <a:off x="3621974" y="4298868"/>
+            <a:ext cx="184731" cy="369332"/>
+          </a:xfrm>
+          <a:prstGeom prst="rect">
+            <a:avLst/>
+          </a:prstGeom>
+          <a:noFill/>
+        </p:spPr>
+        <p:txBody>
+          <a:bodyPr wrap="none" rtlCol="0">
+            <a:spAutoFit/>
+          </a:bodyPr>
+          <a:lstStyle/>
+          <a:p>
+            <a:endParaRPr lang="en-US"/>
+          </a:p>
+        </p:txBody>
+      </p:sp>
+    </p:spTree>
+    <p:extLst>
+      <p:ext uri="{BB962C8B-B14F-4D97-AF65-F5344CB8AC3E}">
+        <p14:creationId xmlns:p14="http://schemas.microsoft.com/office/powerpoint/2010/main" val="556288614"/>
+      </p:ext>
+    </p:extLst>
+  </p:cSld>
+  <p:clrMapOvr>
+    <a:masterClrMapping/>
+  </p:clrMapOvr>
+</p:sld>
+</file>
+
 <file path=ppt/theme/theme1.xml><?xml version="1.0" encoding="utf-8"?>
 <a:theme xmlns:a="http://schemas.openxmlformats.org/drawingml/2006/main" name="Office Theme">
   <a:themeElements>
